--- a/public/doc/logo and stuff.pptx
+++ b/public/doc/logo and stuff.pptx
@@ -1,15 +1,16 @@
 
 <file path=ppt/presentation.xml><?xml version="1.0" encoding="utf-8"?>
-<p:presentation xmlns:a="http://schemas.openxmlformats.org/drawingml/2006/main" xmlns:r="http://schemas.openxmlformats.org/officeDocument/2006/relationships" xmlns:p="http://schemas.openxmlformats.org/presentationml/2006/main" saveSubsetFonts="1">
+<p:presentation xmlns:a="http://schemas.openxmlformats.org/drawingml/2006/main" xmlns:r="http://schemas.openxmlformats.org/officeDocument/2006/relationships" xmlns:p="http://schemas.openxmlformats.org/presentationml/2006/main">
   <p:sldMasterIdLst>
     <p:sldMasterId id="2147483648" r:id="rId1"/>
   </p:sldMasterIdLst>
   <p:sldIdLst>
-    <p:sldId id="256" r:id="rId2"/>
-    <p:sldId id="258" r:id="rId3"/>
-    <p:sldId id="257" r:id="rId4"/>
+    <p:sldId id="263" r:id="rId3"/>
+    <p:sldId id="260" r:id="rId4"/>
+    <p:sldId id="257" r:id="rId5"/>
+    <p:sldId id="266" r:id="rId6"/>
   </p:sldIdLst>
-  <p:sldSz cx="12192000" cy="6858000"/>
+  <p:sldSz cx="21599525" cy="14399895"/>
   <p:notesSz cx="6858000" cy="9144000"/>
   <p:defaultTextStyle>
     <a:defPPr>
@@ -106,11 +107,6 @@
       </a:defRPr>
     </a:lvl9pPr>
   </p:defaultTextStyle>
-  <p:extLst>
-    <p:ext uri="{EFAFB233-063F-42B5-8137-9DF3F51BA10A}">
-      <p15:sldGuideLst xmlns:p15="http://schemas.microsoft.com/office/powerpoint/2012/main"/>
-    </p:ext>
-  </p:extLst>
 </p:presentation>
 </file>
 
@@ -143,15 +139,15 @@
         </p:nvSpPr>
         <p:spPr>
           <a:xfrm>
-            <a:off x="1524000" y="1122363"/>
-            <a:ext cx="9144000" cy="2387600"/>
+            <a:off x="2700063" y="2356737"/>
+            <a:ext cx="16200379" cy="5013480"/>
           </a:xfrm>
         </p:spPr>
         <p:txBody>
           <a:bodyPr anchor="b"/>
           <a:lstStyle>
             <a:lvl1pPr algn="ctr">
-              <a:defRPr sz="6000"/>
+              <a:defRPr sz="12600"/>
             </a:lvl1pPr>
           </a:lstStyle>
           <a:p>
@@ -175,8 +171,8 @@
         </p:nvSpPr>
         <p:spPr>
           <a:xfrm>
-            <a:off x="1524000" y="3602038"/>
-            <a:ext cx="9144000" cy="1655762"/>
+            <a:off x="2700063" y="7563556"/>
+            <a:ext cx="16200379" cy="3476767"/>
           </a:xfrm>
         </p:spPr>
         <p:txBody>
@@ -184,39 +180,39 @@
           <a:lstStyle>
             <a:lvl1pPr marL="0" indent="0" algn="ctr">
               <a:buNone/>
-              <a:defRPr sz="2400"/>
+              <a:defRPr sz="5040"/>
             </a:lvl1pPr>
-            <a:lvl2pPr marL="457200" indent="0" algn="ctr">
-              <a:buNone/>
-              <a:defRPr sz="2000"/>
+            <a:lvl2pPr marL="960120" indent="0" algn="ctr">
+              <a:buNone/>
+              <a:defRPr sz="4200"/>
             </a:lvl2pPr>
-            <a:lvl3pPr marL="914400" indent="0" algn="ctr">
-              <a:buNone/>
-              <a:defRPr sz="1800"/>
+            <a:lvl3pPr marL="1919605" indent="0" algn="ctr">
+              <a:buNone/>
+              <a:defRPr sz="3780"/>
             </a:lvl3pPr>
-            <a:lvl4pPr marL="1371600" indent="0" algn="ctr">
-              <a:buNone/>
-              <a:defRPr sz="1600"/>
+            <a:lvl4pPr marL="2879725" indent="0" algn="ctr">
+              <a:buNone/>
+              <a:defRPr sz="3360"/>
             </a:lvl4pPr>
-            <a:lvl5pPr marL="1828800" indent="0" algn="ctr">
-              <a:buNone/>
-              <a:defRPr sz="1600"/>
+            <a:lvl5pPr marL="3839845" indent="0" algn="ctr">
+              <a:buNone/>
+              <a:defRPr sz="3360"/>
             </a:lvl5pPr>
-            <a:lvl6pPr marL="2286000" indent="0" algn="ctr">
-              <a:buNone/>
-              <a:defRPr sz="1600"/>
+            <a:lvl6pPr marL="4800600" indent="0" algn="ctr">
+              <a:buNone/>
+              <a:defRPr sz="3360"/>
             </a:lvl6pPr>
-            <a:lvl7pPr marL="2743200" indent="0" algn="ctr">
-              <a:buNone/>
-              <a:defRPr sz="1600"/>
+            <a:lvl7pPr marL="5760085" indent="0" algn="ctr">
+              <a:buNone/>
+              <a:defRPr sz="3360"/>
             </a:lvl7pPr>
-            <a:lvl8pPr marL="3200400" indent="0" algn="ctr">
-              <a:buNone/>
-              <a:defRPr sz="1600"/>
+            <a:lvl8pPr marL="6720205" indent="0" algn="ctr">
+              <a:buNone/>
+              <a:defRPr sz="3360"/>
             </a:lvl8pPr>
-            <a:lvl9pPr marL="3657600" indent="0" algn="ctr">
-              <a:buNone/>
-              <a:defRPr sz="1600"/>
+            <a:lvl9pPr marL="7680325" indent="0" algn="ctr">
+              <a:buNone/>
+              <a:defRPr sz="3360"/>
             </a:lvl9pPr>
           </a:lstStyle>
           <a:p>
@@ -245,7 +241,6 @@
           <a:p>
             <a:fld id="{51E4AAB6-0F9B-4029-A164-2D7DE9FF7D5C}" type="datetimeFigureOut">
               <a:rPr lang="en-US" smtClean="0"/>
-              <a:t>8/24/2022</a:t>
             </a:fld>
             <a:endParaRPr lang="en-US"/>
           </a:p>
@@ -287,18 +282,12 @@
           <a:p>
             <a:fld id="{69926335-11EA-42F8-AE75-48AF0E038CA4}" type="slidenum">
               <a:rPr lang="en-US" smtClean="0"/>
-              <a:t>‹#›</a:t>
             </a:fld>
             <a:endParaRPr lang="en-US"/>
           </a:p>
         </p:txBody>
       </p:sp>
     </p:spTree>
-    <p:extLst>
-      <p:ext uri="{BB962C8B-B14F-4D97-AF65-F5344CB8AC3E}">
-        <p14:creationId xmlns:p14="http://schemas.microsoft.com/office/powerpoint/2010/main" val="3792973493"/>
-      </p:ext>
-    </p:extLst>
   </p:cSld>
   <p:clrMapOvr>
     <a:masterClrMapping/>
@@ -366,6 +355,7 @@
               <a:rPr lang="en-US" smtClean="0"/>
               <a:t>Edit Master text styles</a:t>
             </a:r>
+            <a:endParaRPr lang="en-US" smtClean="0"/>
           </a:p>
           <a:p>
             <a:pPr lvl="1"/>
@@ -373,6 +363,7 @@
               <a:rPr lang="en-US" smtClean="0"/>
               <a:t>Second level</a:t>
             </a:r>
+            <a:endParaRPr lang="en-US" smtClean="0"/>
           </a:p>
           <a:p>
             <a:pPr lvl="2"/>
@@ -380,6 +371,7 @@
               <a:rPr lang="en-US" smtClean="0"/>
               <a:t>Third level</a:t>
             </a:r>
+            <a:endParaRPr lang="en-US" smtClean="0"/>
           </a:p>
           <a:p>
             <a:pPr lvl="3"/>
@@ -387,6 +379,7 @@
               <a:rPr lang="en-US" smtClean="0"/>
               <a:t>Fourth level</a:t>
             </a:r>
+            <a:endParaRPr lang="en-US" smtClean="0"/>
           </a:p>
           <a:p>
             <a:pPr lvl="4"/>
@@ -415,7 +408,6 @@
           <a:p>
             <a:fld id="{51E4AAB6-0F9B-4029-A164-2D7DE9FF7D5C}" type="datetimeFigureOut">
               <a:rPr lang="en-US" smtClean="0"/>
-              <a:t>8/24/2022</a:t>
             </a:fld>
             <a:endParaRPr lang="en-US"/>
           </a:p>
@@ -457,18 +449,12 @@
           <a:p>
             <a:fld id="{69926335-11EA-42F8-AE75-48AF0E038CA4}" type="slidenum">
               <a:rPr lang="en-US" smtClean="0"/>
-              <a:t>‹#›</a:t>
             </a:fld>
             <a:endParaRPr lang="en-US"/>
           </a:p>
         </p:txBody>
       </p:sp>
     </p:spTree>
-    <p:extLst>
-      <p:ext uri="{BB962C8B-B14F-4D97-AF65-F5344CB8AC3E}">
-        <p14:creationId xmlns:p14="http://schemas.microsoft.com/office/powerpoint/2010/main" val="2267747532"/>
-      </p:ext>
-    </p:extLst>
   </p:cSld>
   <p:clrMapOvr>
     <a:masterClrMapping/>
@@ -505,8 +491,8 @@
         </p:nvSpPr>
         <p:spPr>
           <a:xfrm>
-            <a:off x="8724900" y="365125"/>
-            <a:ext cx="2628900" cy="5811838"/>
+            <a:off x="15457862" y="766689"/>
+            <a:ext cx="4657609" cy="12203692"/>
           </a:xfrm>
         </p:spPr>
         <p:txBody>
@@ -533,8 +519,8 @@
         </p:nvSpPr>
         <p:spPr>
           <a:xfrm>
-            <a:off x="838200" y="365125"/>
-            <a:ext cx="7734300" cy="5811838"/>
+            <a:off x="1485035" y="766689"/>
+            <a:ext cx="13702820" cy="12203692"/>
           </a:xfrm>
         </p:spPr>
         <p:txBody>
@@ -546,6 +532,7 @@
               <a:rPr lang="en-US" smtClean="0"/>
               <a:t>Edit Master text styles</a:t>
             </a:r>
+            <a:endParaRPr lang="en-US" smtClean="0"/>
           </a:p>
           <a:p>
             <a:pPr lvl="1"/>
@@ -553,6 +540,7 @@
               <a:rPr lang="en-US" smtClean="0"/>
               <a:t>Second level</a:t>
             </a:r>
+            <a:endParaRPr lang="en-US" smtClean="0"/>
           </a:p>
           <a:p>
             <a:pPr lvl="2"/>
@@ -560,6 +548,7 @@
               <a:rPr lang="en-US" smtClean="0"/>
               <a:t>Third level</a:t>
             </a:r>
+            <a:endParaRPr lang="en-US" smtClean="0"/>
           </a:p>
           <a:p>
             <a:pPr lvl="3"/>
@@ -567,6 +556,7 @@
               <a:rPr lang="en-US" smtClean="0"/>
               <a:t>Fourth level</a:t>
             </a:r>
+            <a:endParaRPr lang="en-US" smtClean="0"/>
           </a:p>
           <a:p>
             <a:pPr lvl="4"/>
@@ -595,7 +585,6 @@
           <a:p>
             <a:fld id="{51E4AAB6-0F9B-4029-A164-2D7DE9FF7D5C}" type="datetimeFigureOut">
               <a:rPr lang="en-US" smtClean="0"/>
-              <a:t>8/24/2022</a:t>
             </a:fld>
             <a:endParaRPr lang="en-US"/>
           </a:p>
@@ -637,18 +626,12 @@
           <a:p>
             <a:fld id="{69926335-11EA-42F8-AE75-48AF0E038CA4}" type="slidenum">
               <a:rPr lang="en-US" smtClean="0"/>
-              <a:t>‹#›</a:t>
             </a:fld>
             <a:endParaRPr lang="en-US"/>
           </a:p>
         </p:txBody>
       </p:sp>
     </p:spTree>
-    <p:extLst>
-      <p:ext uri="{BB962C8B-B14F-4D97-AF65-F5344CB8AC3E}">
-        <p14:creationId xmlns:p14="http://schemas.microsoft.com/office/powerpoint/2010/main" val="2337012265"/>
-      </p:ext>
-    </p:extLst>
   </p:cSld>
   <p:clrMapOvr>
     <a:masterClrMapping/>
@@ -716,6 +699,7 @@
               <a:rPr lang="en-US" smtClean="0"/>
               <a:t>Edit Master text styles</a:t>
             </a:r>
+            <a:endParaRPr lang="en-US" smtClean="0"/>
           </a:p>
           <a:p>
             <a:pPr lvl="1"/>
@@ -723,6 +707,7 @@
               <a:rPr lang="en-US" smtClean="0"/>
               <a:t>Second level</a:t>
             </a:r>
+            <a:endParaRPr lang="en-US" smtClean="0"/>
           </a:p>
           <a:p>
             <a:pPr lvl="2"/>
@@ -730,6 +715,7 @@
               <a:rPr lang="en-US" smtClean="0"/>
               <a:t>Third level</a:t>
             </a:r>
+            <a:endParaRPr lang="en-US" smtClean="0"/>
           </a:p>
           <a:p>
             <a:pPr lvl="3"/>
@@ -737,6 +723,7 @@
               <a:rPr lang="en-US" smtClean="0"/>
               <a:t>Fourth level</a:t>
             </a:r>
+            <a:endParaRPr lang="en-US" smtClean="0"/>
           </a:p>
           <a:p>
             <a:pPr lvl="4"/>
@@ -765,7 +752,6 @@
           <a:p>
             <a:fld id="{51E4AAB6-0F9B-4029-A164-2D7DE9FF7D5C}" type="datetimeFigureOut">
               <a:rPr lang="en-US" smtClean="0"/>
-              <a:t>8/24/2022</a:t>
             </a:fld>
             <a:endParaRPr lang="en-US"/>
           </a:p>
@@ -807,18 +793,12 @@
           <a:p>
             <a:fld id="{69926335-11EA-42F8-AE75-48AF0E038CA4}" type="slidenum">
               <a:rPr lang="en-US" smtClean="0"/>
-              <a:t>‹#›</a:t>
             </a:fld>
             <a:endParaRPr lang="en-US"/>
           </a:p>
         </p:txBody>
       </p:sp>
     </p:spTree>
-    <p:extLst>
-      <p:ext uri="{BB962C8B-B14F-4D97-AF65-F5344CB8AC3E}">
-        <p14:creationId xmlns:p14="http://schemas.microsoft.com/office/powerpoint/2010/main" val="222764945"/>
-      </p:ext>
-    </p:extLst>
   </p:cSld>
   <p:clrMapOvr>
     <a:masterClrMapping/>
@@ -855,15 +835,15 @@
         </p:nvSpPr>
         <p:spPr>
           <a:xfrm>
-            <a:off x="831850" y="1709738"/>
-            <a:ext cx="10515600" cy="2852737"/>
+            <a:off x="1473784" y="3590106"/>
+            <a:ext cx="18630436" cy="5990174"/>
           </a:xfrm>
         </p:spPr>
         <p:txBody>
           <a:bodyPr anchor="b"/>
           <a:lstStyle>
             <a:lvl1pPr>
-              <a:defRPr sz="6000"/>
+              <a:defRPr sz="12600"/>
             </a:lvl1pPr>
           </a:lstStyle>
           <a:p>
@@ -887,8 +867,8 @@
         </p:nvSpPr>
         <p:spPr>
           <a:xfrm>
-            <a:off x="831850" y="4589463"/>
-            <a:ext cx="10515600" cy="1500187"/>
+            <a:off x="1473784" y="9636950"/>
+            <a:ext cx="18630436" cy="3150091"/>
           </a:xfrm>
         </p:spPr>
         <p:txBody>
@@ -896,7 +876,7 @@
           <a:lstStyle>
             <a:lvl1pPr marL="0" indent="0">
               <a:buNone/>
-              <a:defRPr sz="2400">
+              <a:defRPr sz="5040">
                 <a:solidFill>
                   <a:schemeClr val="tx1">
                     <a:tint val="75000"/>
@@ -904,9 +884,9 @@
                 </a:solidFill>
               </a:defRPr>
             </a:lvl1pPr>
-            <a:lvl2pPr marL="457200" indent="0">
-              <a:buNone/>
-              <a:defRPr sz="2000">
+            <a:lvl2pPr marL="960120" indent="0">
+              <a:buNone/>
+              <a:defRPr sz="4200">
                 <a:solidFill>
                   <a:schemeClr val="tx1">
                     <a:tint val="75000"/>
@@ -914,9 +894,9 @@
                 </a:solidFill>
               </a:defRPr>
             </a:lvl2pPr>
-            <a:lvl3pPr marL="914400" indent="0">
-              <a:buNone/>
-              <a:defRPr sz="1800">
+            <a:lvl3pPr marL="1919605" indent="0">
+              <a:buNone/>
+              <a:defRPr sz="3780">
                 <a:solidFill>
                   <a:schemeClr val="tx1">
                     <a:tint val="75000"/>
@@ -924,9 +904,9 @@
                 </a:solidFill>
               </a:defRPr>
             </a:lvl3pPr>
-            <a:lvl4pPr marL="1371600" indent="0">
-              <a:buNone/>
-              <a:defRPr sz="1600">
+            <a:lvl4pPr marL="2879725" indent="0">
+              <a:buNone/>
+              <a:defRPr sz="3360">
                 <a:solidFill>
                   <a:schemeClr val="tx1">
                     <a:tint val="75000"/>
@@ -934,9 +914,9 @@
                 </a:solidFill>
               </a:defRPr>
             </a:lvl4pPr>
-            <a:lvl5pPr marL="1828800" indent="0">
-              <a:buNone/>
-              <a:defRPr sz="1600">
+            <a:lvl5pPr marL="3839845" indent="0">
+              <a:buNone/>
+              <a:defRPr sz="3360">
                 <a:solidFill>
                   <a:schemeClr val="tx1">
                     <a:tint val="75000"/>
@@ -944,9 +924,9 @@
                 </a:solidFill>
               </a:defRPr>
             </a:lvl5pPr>
-            <a:lvl6pPr marL="2286000" indent="0">
-              <a:buNone/>
-              <a:defRPr sz="1600">
+            <a:lvl6pPr marL="4800600" indent="0">
+              <a:buNone/>
+              <a:defRPr sz="3360">
                 <a:solidFill>
                   <a:schemeClr val="tx1">
                     <a:tint val="75000"/>
@@ -954,9 +934,9 @@
                 </a:solidFill>
               </a:defRPr>
             </a:lvl6pPr>
-            <a:lvl7pPr marL="2743200" indent="0">
-              <a:buNone/>
-              <a:defRPr sz="1600">
+            <a:lvl7pPr marL="5760085" indent="0">
+              <a:buNone/>
+              <a:defRPr sz="3360">
                 <a:solidFill>
                   <a:schemeClr val="tx1">
                     <a:tint val="75000"/>
@@ -964,9 +944,9 @@
                 </a:solidFill>
               </a:defRPr>
             </a:lvl7pPr>
-            <a:lvl8pPr marL="3200400" indent="0">
-              <a:buNone/>
-              <a:defRPr sz="1600">
+            <a:lvl8pPr marL="6720205" indent="0">
+              <a:buNone/>
+              <a:defRPr sz="3360">
                 <a:solidFill>
                   <a:schemeClr val="tx1">
                     <a:tint val="75000"/>
@@ -974,9 +954,9 @@
                 </a:solidFill>
               </a:defRPr>
             </a:lvl8pPr>
-            <a:lvl9pPr marL="3657600" indent="0">
-              <a:buNone/>
-              <a:defRPr sz="1600">
+            <a:lvl9pPr marL="7680325" indent="0">
+              <a:buNone/>
+              <a:defRPr sz="3360">
                 <a:solidFill>
                   <a:schemeClr val="tx1">
                     <a:tint val="75000"/>
@@ -991,6 +971,7 @@
               <a:rPr lang="en-US" smtClean="0"/>
               <a:t>Edit Master text styles</a:t>
             </a:r>
+            <a:endParaRPr lang="en-US" smtClean="0"/>
           </a:p>
         </p:txBody>
       </p:sp>
@@ -1011,7 +992,6 @@
           <a:p>
             <a:fld id="{51E4AAB6-0F9B-4029-A164-2D7DE9FF7D5C}" type="datetimeFigureOut">
               <a:rPr lang="en-US" smtClean="0"/>
-              <a:t>8/24/2022</a:t>
             </a:fld>
             <a:endParaRPr lang="en-US"/>
           </a:p>
@@ -1053,18 +1033,12 @@
           <a:p>
             <a:fld id="{69926335-11EA-42F8-AE75-48AF0E038CA4}" type="slidenum">
               <a:rPr lang="en-US" smtClean="0"/>
-              <a:t>‹#›</a:t>
             </a:fld>
             <a:endParaRPr lang="en-US"/>
           </a:p>
         </p:txBody>
       </p:sp>
     </p:spTree>
-    <p:extLst>
-      <p:ext uri="{BB962C8B-B14F-4D97-AF65-F5344CB8AC3E}">
-        <p14:creationId xmlns:p14="http://schemas.microsoft.com/office/powerpoint/2010/main" val="560654146"/>
-      </p:ext>
-    </p:extLst>
   </p:cSld>
   <p:clrMapOvr>
     <a:masterClrMapping/>
@@ -1124,8 +1098,8 @@
         </p:nvSpPr>
         <p:spPr>
           <a:xfrm>
-            <a:off x="838200" y="1825625"/>
-            <a:ext cx="5181600" cy="4351338"/>
+            <a:off x="1485035" y="3833446"/>
+            <a:ext cx="9180215" cy="9136935"/>
           </a:xfrm>
         </p:spPr>
         <p:txBody>
@@ -1137,6 +1111,7 @@
               <a:rPr lang="en-US" smtClean="0"/>
               <a:t>Edit Master text styles</a:t>
             </a:r>
+            <a:endParaRPr lang="en-US" smtClean="0"/>
           </a:p>
           <a:p>
             <a:pPr lvl="1"/>
@@ -1144,6 +1119,7 @@
               <a:rPr lang="en-US" smtClean="0"/>
               <a:t>Second level</a:t>
             </a:r>
+            <a:endParaRPr lang="en-US" smtClean="0"/>
           </a:p>
           <a:p>
             <a:pPr lvl="2"/>
@@ -1151,6 +1127,7 @@
               <a:rPr lang="en-US" smtClean="0"/>
               <a:t>Third level</a:t>
             </a:r>
+            <a:endParaRPr lang="en-US" smtClean="0"/>
           </a:p>
           <a:p>
             <a:pPr lvl="3"/>
@@ -1158,6 +1135,7 @@
               <a:rPr lang="en-US" smtClean="0"/>
               <a:t>Fourth level</a:t>
             </a:r>
+            <a:endParaRPr lang="en-US" smtClean="0"/>
           </a:p>
           <a:p>
             <a:pPr lvl="4"/>
@@ -1181,8 +1159,8 @@
         </p:nvSpPr>
         <p:spPr>
           <a:xfrm>
-            <a:off x="6172200" y="1825625"/>
-            <a:ext cx="5181600" cy="4351338"/>
+            <a:off x="10935256" y="3833446"/>
+            <a:ext cx="9180215" cy="9136935"/>
           </a:xfrm>
         </p:spPr>
         <p:txBody>
@@ -1194,6 +1172,7 @@
               <a:rPr lang="en-US" smtClean="0"/>
               <a:t>Edit Master text styles</a:t>
             </a:r>
+            <a:endParaRPr lang="en-US" smtClean="0"/>
           </a:p>
           <a:p>
             <a:pPr lvl="1"/>
@@ -1201,6 +1180,7 @@
               <a:rPr lang="en-US" smtClean="0"/>
               <a:t>Second level</a:t>
             </a:r>
+            <a:endParaRPr lang="en-US" smtClean="0"/>
           </a:p>
           <a:p>
             <a:pPr lvl="2"/>
@@ -1208,6 +1188,7 @@
               <a:rPr lang="en-US" smtClean="0"/>
               <a:t>Third level</a:t>
             </a:r>
+            <a:endParaRPr lang="en-US" smtClean="0"/>
           </a:p>
           <a:p>
             <a:pPr lvl="3"/>
@@ -1215,6 +1196,7 @@
               <a:rPr lang="en-US" smtClean="0"/>
               <a:t>Fourth level</a:t>
             </a:r>
+            <a:endParaRPr lang="en-US" smtClean="0"/>
           </a:p>
           <a:p>
             <a:pPr lvl="4"/>
@@ -1243,7 +1225,6 @@
           <a:p>
             <a:fld id="{51E4AAB6-0F9B-4029-A164-2D7DE9FF7D5C}" type="datetimeFigureOut">
               <a:rPr lang="en-US" smtClean="0"/>
-              <a:t>8/24/2022</a:t>
             </a:fld>
             <a:endParaRPr lang="en-US"/>
           </a:p>
@@ -1285,18 +1266,12 @@
           <a:p>
             <a:fld id="{69926335-11EA-42F8-AE75-48AF0E038CA4}" type="slidenum">
               <a:rPr lang="en-US" smtClean="0"/>
-              <a:t>‹#›</a:t>
             </a:fld>
             <a:endParaRPr lang="en-US"/>
           </a:p>
         </p:txBody>
       </p:sp>
     </p:spTree>
-    <p:extLst>
-      <p:ext uri="{BB962C8B-B14F-4D97-AF65-F5344CB8AC3E}">
-        <p14:creationId xmlns:p14="http://schemas.microsoft.com/office/powerpoint/2010/main" val="1217044895"/>
-      </p:ext>
-    </p:extLst>
   </p:cSld>
   <p:clrMapOvr>
     <a:masterClrMapping/>
@@ -1333,8 +1308,8 @@
         </p:nvSpPr>
         <p:spPr>
           <a:xfrm>
-            <a:off x="839788" y="365125"/>
-            <a:ext cx="10515600" cy="1325563"/>
+            <a:off x="1487848" y="766689"/>
+            <a:ext cx="18630436" cy="2783416"/>
           </a:xfrm>
         </p:spPr>
         <p:txBody>
@@ -1361,8 +1336,8 @@
         </p:nvSpPr>
         <p:spPr>
           <a:xfrm>
-            <a:off x="839788" y="1681163"/>
-            <a:ext cx="5157787" cy="823912"/>
+            <a:off x="1487848" y="3530104"/>
+            <a:ext cx="9138025" cy="1730050"/>
           </a:xfrm>
         </p:spPr>
         <p:txBody>
@@ -1370,39 +1345,39 @@
           <a:lstStyle>
             <a:lvl1pPr marL="0" indent="0">
               <a:buNone/>
-              <a:defRPr sz="2400" b="1"/>
+              <a:defRPr sz="5040" b="1"/>
             </a:lvl1pPr>
-            <a:lvl2pPr marL="457200" indent="0">
-              <a:buNone/>
-              <a:defRPr sz="2000" b="1"/>
+            <a:lvl2pPr marL="960120" indent="0">
+              <a:buNone/>
+              <a:defRPr sz="4200" b="1"/>
             </a:lvl2pPr>
-            <a:lvl3pPr marL="914400" indent="0">
-              <a:buNone/>
-              <a:defRPr sz="1800" b="1"/>
+            <a:lvl3pPr marL="1919605" indent="0">
+              <a:buNone/>
+              <a:defRPr sz="3780" b="1"/>
             </a:lvl3pPr>
-            <a:lvl4pPr marL="1371600" indent="0">
-              <a:buNone/>
-              <a:defRPr sz="1600" b="1"/>
+            <a:lvl4pPr marL="2879725" indent="0">
+              <a:buNone/>
+              <a:defRPr sz="3360" b="1"/>
             </a:lvl4pPr>
-            <a:lvl5pPr marL="1828800" indent="0">
-              <a:buNone/>
-              <a:defRPr sz="1600" b="1"/>
+            <a:lvl5pPr marL="3839845" indent="0">
+              <a:buNone/>
+              <a:defRPr sz="3360" b="1"/>
             </a:lvl5pPr>
-            <a:lvl6pPr marL="2286000" indent="0">
-              <a:buNone/>
-              <a:defRPr sz="1600" b="1"/>
+            <a:lvl6pPr marL="4800600" indent="0">
+              <a:buNone/>
+              <a:defRPr sz="3360" b="1"/>
             </a:lvl6pPr>
-            <a:lvl7pPr marL="2743200" indent="0">
-              <a:buNone/>
-              <a:defRPr sz="1600" b="1"/>
+            <a:lvl7pPr marL="5760085" indent="0">
+              <a:buNone/>
+              <a:defRPr sz="3360" b="1"/>
             </a:lvl7pPr>
-            <a:lvl8pPr marL="3200400" indent="0">
-              <a:buNone/>
-              <a:defRPr sz="1600" b="1"/>
+            <a:lvl8pPr marL="6720205" indent="0">
+              <a:buNone/>
+              <a:defRPr sz="3360" b="1"/>
             </a:lvl8pPr>
-            <a:lvl9pPr marL="3657600" indent="0">
-              <a:buNone/>
-              <a:defRPr sz="1600" b="1"/>
+            <a:lvl9pPr marL="7680325" indent="0">
+              <a:buNone/>
+              <a:defRPr sz="3360" b="1"/>
             </a:lvl9pPr>
           </a:lstStyle>
           <a:p>
@@ -1411,6 +1386,7 @@
               <a:rPr lang="en-US" smtClean="0"/>
               <a:t>Edit Master text styles</a:t>
             </a:r>
+            <a:endParaRPr lang="en-US" smtClean="0"/>
           </a:p>
         </p:txBody>
       </p:sp>
@@ -1426,8 +1402,8 @@
         </p:nvSpPr>
         <p:spPr>
           <a:xfrm>
-            <a:off x="839788" y="2505075"/>
-            <a:ext cx="5157787" cy="3684588"/>
+            <a:off x="1487848" y="5260154"/>
+            <a:ext cx="9138025" cy="7736894"/>
           </a:xfrm>
         </p:spPr>
         <p:txBody>
@@ -1439,6 +1415,7 @@
               <a:rPr lang="en-US" smtClean="0"/>
               <a:t>Edit Master text styles</a:t>
             </a:r>
+            <a:endParaRPr lang="en-US" smtClean="0"/>
           </a:p>
           <a:p>
             <a:pPr lvl="1"/>
@@ -1446,6 +1423,7 @@
               <a:rPr lang="en-US" smtClean="0"/>
               <a:t>Second level</a:t>
             </a:r>
+            <a:endParaRPr lang="en-US" smtClean="0"/>
           </a:p>
           <a:p>
             <a:pPr lvl="2"/>
@@ -1453,6 +1431,7 @@
               <a:rPr lang="en-US" smtClean="0"/>
               <a:t>Third level</a:t>
             </a:r>
+            <a:endParaRPr lang="en-US" smtClean="0"/>
           </a:p>
           <a:p>
             <a:pPr lvl="3"/>
@@ -1460,6 +1439,7 @@
               <a:rPr lang="en-US" smtClean="0"/>
               <a:t>Fourth level</a:t>
             </a:r>
+            <a:endParaRPr lang="en-US" smtClean="0"/>
           </a:p>
           <a:p>
             <a:pPr lvl="4"/>
@@ -1483,8 +1463,8 @@
         </p:nvSpPr>
         <p:spPr>
           <a:xfrm>
-            <a:off x="6172200" y="1681163"/>
-            <a:ext cx="5183188" cy="823912"/>
+            <a:off x="10935256" y="3530104"/>
+            <a:ext cx="9183028" cy="1730050"/>
           </a:xfrm>
         </p:spPr>
         <p:txBody>
@@ -1492,39 +1472,39 @@
           <a:lstStyle>
             <a:lvl1pPr marL="0" indent="0">
               <a:buNone/>
-              <a:defRPr sz="2400" b="1"/>
+              <a:defRPr sz="5040" b="1"/>
             </a:lvl1pPr>
-            <a:lvl2pPr marL="457200" indent="0">
-              <a:buNone/>
-              <a:defRPr sz="2000" b="1"/>
+            <a:lvl2pPr marL="960120" indent="0">
+              <a:buNone/>
+              <a:defRPr sz="4200" b="1"/>
             </a:lvl2pPr>
-            <a:lvl3pPr marL="914400" indent="0">
-              <a:buNone/>
-              <a:defRPr sz="1800" b="1"/>
+            <a:lvl3pPr marL="1919605" indent="0">
+              <a:buNone/>
+              <a:defRPr sz="3780" b="1"/>
             </a:lvl3pPr>
-            <a:lvl4pPr marL="1371600" indent="0">
-              <a:buNone/>
-              <a:defRPr sz="1600" b="1"/>
+            <a:lvl4pPr marL="2879725" indent="0">
+              <a:buNone/>
+              <a:defRPr sz="3360" b="1"/>
             </a:lvl4pPr>
-            <a:lvl5pPr marL="1828800" indent="0">
-              <a:buNone/>
-              <a:defRPr sz="1600" b="1"/>
+            <a:lvl5pPr marL="3839845" indent="0">
+              <a:buNone/>
+              <a:defRPr sz="3360" b="1"/>
             </a:lvl5pPr>
-            <a:lvl6pPr marL="2286000" indent="0">
-              <a:buNone/>
-              <a:defRPr sz="1600" b="1"/>
+            <a:lvl6pPr marL="4800600" indent="0">
+              <a:buNone/>
+              <a:defRPr sz="3360" b="1"/>
             </a:lvl6pPr>
-            <a:lvl7pPr marL="2743200" indent="0">
-              <a:buNone/>
-              <a:defRPr sz="1600" b="1"/>
+            <a:lvl7pPr marL="5760085" indent="0">
+              <a:buNone/>
+              <a:defRPr sz="3360" b="1"/>
             </a:lvl7pPr>
-            <a:lvl8pPr marL="3200400" indent="0">
-              <a:buNone/>
-              <a:defRPr sz="1600" b="1"/>
+            <a:lvl8pPr marL="6720205" indent="0">
+              <a:buNone/>
+              <a:defRPr sz="3360" b="1"/>
             </a:lvl8pPr>
-            <a:lvl9pPr marL="3657600" indent="0">
-              <a:buNone/>
-              <a:defRPr sz="1600" b="1"/>
+            <a:lvl9pPr marL="7680325" indent="0">
+              <a:buNone/>
+              <a:defRPr sz="3360" b="1"/>
             </a:lvl9pPr>
           </a:lstStyle>
           <a:p>
@@ -1533,6 +1513,7 @@
               <a:rPr lang="en-US" smtClean="0"/>
               <a:t>Edit Master text styles</a:t>
             </a:r>
+            <a:endParaRPr lang="en-US" smtClean="0"/>
           </a:p>
         </p:txBody>
       </p:sp>
@@ -1548,8 +1529,8 @@
         </p:nvSpPr>
         <p:spPr>
           <a:xfrm>
-            <a:off x="6172200" y="2505075"/>
-            <a:ext cx="5183188" cy="3684588"/>
+            <a:off x="10935256" y="5260154"/>
+            <a:ext cx="9183028" cy="7736894"/>
           </a:xfrm>
         </p:spPr>
         <p:txBody>
@@ -1561,6 +1542,7 @@
               <a:rPr lang="en-US" smtClean="0"/>
               <a:t>Edit Master text styles</a:t>
             </a:r>
+            <a:endParaRPr lang="en-US" smtClean="0"/>
           </a:p>
           <a:p>
             <a:pPr lvl="1"/>
@@ -1568,6 +1550,7 @@
               <a:rPr lang="en-US" smtClean="0"/>
               <a:t>Second level</a:t>
             </a:r>
+            <a:endParaRPr lang="en-US" smtClean="0"/>
           </a:p>
           <a:p>
             <a:pPr lvl="2"/>
@@ -1575,6 +1558,7 @@
               <a:rPr lang="en-US" smtClean="0"/>
               <a:t>Third level</a:t>
             </a:r>
+            <a:endParaRPr lang="en-US" smtClean="0"/>
           </a:p>
           <a:p>
             <a:pPr lvl="3"/>
@@ -1582,6 +1566,7 @@
               <a:rPr lang="en-US" smtClean="0"/>
               <a:t>Fourth level</a:t>
             </a:r>
+            <a:endParaRPr lang="en-US" smtClean="0"/>
           </a:p>
           <a:p>
             <a:pPr lvl="4"/>
@@ -1610,7 +1595,6 @@
           <a:p>
             <a:fld id="{51E4AAB6-0F9B-4029-A164-2D7DE9FF7D5C}" type="datetimeFigureOut">
               <a:rPr lang="en-US" smtClean="0"/>
-              <a:t>8/24/2022</a:t>
             </a:fld>
             <a:endParaRPr lang="en-US"/>
           </a:p>
@@ -1652,18 +1636,12 @@
           <a:p>
             <a:fld id="{69926335-11EA-42F8-AE75-48AF0E038CA4}" type="slidenum">
               <a:rPr lang="en-US" smtClean="0"/>
-              <a:t>‹#›</a:t>
             </a:fld>
             <a:endParaRPr lang="en-US"/>
           </a:p>
         </p:txBody>
       </p:sp>
     </p:spTree>
-    <p:extLst>
-      <p:ext uri="{BB962C8B-B14F-4D97-AF65-F5344CB8AC3E}">
-        <p14:creationId xmlns:p14="http://schemas.microsoft.com/office/powerpoint/2010/main" val="4159383799"/>
-      </p:ext>
-    </p:extLst>
   </p:cSld>
   <p:clrMapOvr>
     <a:masterClrMapping/>
@@ -1728,7 +1706,6 @@
           <a:p>
             <a:fld id="{51E4AAB6-0F9B-4029-A164-2D7DE9FF7D5C}" type="datetimeFigureOut">
               <a:rPr lang="en-US" smtClean="0"/>
-              <a:t>8/24/2022</a:t>
             </a:fld>
             <a:endParaRPr lang="en-US"/>
           </a:p>
@@ -1770,18 +1747,12 @@
           <a:p>
             <a:fld id="{69926335-11EA-42F8-AE75-48AF0E038CA4}" type="slidenum">
               <a:rPr lang="en-US" smtClean="0"/>
-              <a:t>‹#›</a:t>
             </a:fld>
             <a:endParaRPr lang="en-US"/>
           </a:p>
         </p:txBody>
       </p:sp>
     </p:spTree>
-    <p:extLst>
-      <p:ext uri="{BB962C8B-B14F-4D97-AF65-F5344CB8AC3E}">
-        <p14:creationId xmlns:p14="http://schemas.microsoft.com/office/powerpoint/2010/main" val="4086907286"/>
-      </p:ext>
-    </p:extLst>
   </p:cSld>
   <p:clrMapOvr>
     <a:masterClrMapping/>
@@ -1823,7 +1794,6 @@
           <a:p>
             <a:fld id="{51E4AAB6-0F9B-4029-A164-2D7DE9FF7D5C}" type="datetimeFigureOut">
               <a:rPr lang="en-US" smtClean="0"/>
-              <a:t>8/24/2022</a:t>
             </a:fld>
             <a:endParaRPr lang="en-US"/>
           </a:p>
@@ -1865,18 +1835,12 @@
           <a:p>
             <a:fld id="{69926335-11EA-42F8-AE75-48AF0E038CA4}" type="slidenum">
               <a:rPr lang="en-US" smtClean="0"/>
-              <a:t>‹#›</a:t>
             </a:fld>
             <a:endParaRPr lang="en-US"/>
           </a:p>
         </p:txBody>
       </p:sp>
     </p:spTree>
-    <p:extLst>
-      <p:ext uri="{BB962C8B-B14F-4D97-AF65-F5344CB8AC3E}">
-        <p14:creationId xmlns:p14="http://schemas.microsoft.com/office/powerpoint/2010/main" val="3120079804"/>
-      </p:ext>
-    </p:extLst>
   </p:cSld>
   <p:clrMapOvr>
     <a:masterClrMapping/>
@@ -1913,15 +1877,15 @@
         </p:nvSpPr>
         <p:spPr>
           <a:xfrm>
-            <a:off x="839788" y="457200"/>
-            <a:ext cx="3932237" cy="1600200"/>
+            <a:off x="1487848" y="960028"/>
+            <a:ext cx="6966725" cy="3360098"/>
           </a:xfrm>
         </p:spPr>
         <p:txBody>
           <a:bodyPr anchor="b"/>
           <a:lstStyle>
             <a:lvl1pPr>
-              <a:defRPr sz="3200"/>
+              <a:defRPr sz="6720"/>
             </a:lvl1pPr>
           </a:lstStyle>
           <a:p>
@@ -1945,39 +1909,39 @@
         </p:nvSpPr>
         <p:spPr>
           <a:xfrm>
-            <a:off x="5183188" y="987425"/>
-            <a:ext cx="6172200" cy="4873625"/>
+            <a:off x="9183028" y="2073394"/>
+            <a:ext cx="10935256" cy="10233633"/>
           </a:xfrm>
         </p:spPr>
         <p:txBody>
           <a:bodyPr/>
           <a:lstStyle>
             <a:lvl1pPr>
-              <a:defRPr sz="3200"/>
+              <a:defRPr sz="6720"/>
             </a:lvl1pPr>
             <a:lvl2pPr>
-              <a:defRPr sz="2800"/>
+              <a:defRPr sz="5880"/>
             </a:lvl2pPr>
             <a:lvl3pPr>
-              <a:defRPr sz="2400"/>
+              <a:defRPr sz="5040"/>
             </a:lvl3pPr>
             <a:lvl4pPr>
-              <a:defRPr sz="2000"/>
+              <a:defRPr sz="4200"/>
             </a:lvl4pPr>
             <a:lvl5pPr>
-              <a:defRPr sz="2000"/>
+              <a:defRPr sz="4200"/>
             </a:lvl5pPr>
             <a:lvl6pPr>
-              <a:defRPr sz="2000"/>
+              <a:defRPr sz="4200"/>
             </a:lvl6pPr>
             <a:lvl7pPr>
-              <a:defRPr sz="2000"/>
+              <a:defRPr sz="4200"/>
             </a:lvl7pPr>
             <a:lvl8pPr>
-              <a:defRPr sz="2000"/>
+              <a:defRPr sz="4200"/>
             </a:lvl8pPr>
             <a:lvl9pPr>
-              <a:defRPr sz="2000"/>
+              <a:defRPr sz="4200"/>
             </a:lvl9pPr>
           </a:lstStyle>
           <a:p>
@@ -1986,6 +1950,7 @@
               <a:rPr lang="en-US" smtClean="0"/>
               <a:t>Edit Master text styles</a:t>
             </a:r>
+            <a:endParaRPr lang="en-US" smtClean="0"/>
           </a:p>
           <a:p>
             <a:pPr lvl="1"/>
@@ -1993,6 +1958,7 @@
               <a:rPr lang="en-US" smtClean="0"/>
               <a:t>Second level</a:t>
             </a:r>
+            <a:endParaRPr lang="en-US" smtClean="0"/>
           </a:p>
           <a:p>
             <a:pPr lvl="2"/>
@@ -2000,6 +1966,7 @@
               <a:rPr lang="en-US" smtClean="0"/>
               <a:t>Third level</a:t>
             </a:r>
+            <a:endParaRPr lang="en-US" smtClean="0"/>
           </a:p>
           <a:p>
             <a:pPr lvl="3"/>
@@ -2007,6 +1974,7 @@
               <a:rPr lang="en-US" smtClean="0"/>
               <a:t>Fourth level</a:t>
             </a:r>
+            <a:endParaRPr lang="en-US" smtClean="0"/>
           </a:p>
           <a:p>
             <a:pPr lvl="4"/>
@@ -2030,8 +1998,8 @@
         </p:nvSpPr>
         <p:spPr>
           <a:xfrm>
-            <a:off x="839788" y="2057400"/>
-            <a:ext cx="3932237" cy="3811588"/>
+            <a:off x="1487848" y="4320127"/>
+            <a:ext cx="6966725" cy="8003569"/>
           </a:xfrm>
         </p:spPr>
         <p:txBody>
@@ -2039,39 +2007,39 @@
           <a:lstStyle>
             <a:lvl1pPr marL="0" indent="0">
               <a:buNone/>
-              <a:defRPr sz="1600"/>
+              <a:defRPr sz="3360"/>
             </a:lvl1pPr>
-            <a:lvl2pPr marL="457200" indent="0">
-              <a:buNone/>
-              <a:defRPr sz="1400"/>
+            <a:lvl2pPr marL="960120" indent="0">
+              <a:buNone/>
+              <a:defRPr sz="2940"/>
             </a:lvl2pPr>
-            <a:lvl3pPr marL="914400" indent="0">
-              <a:buNone/>
-              <a:defRPr sz="1200"/>
+            <a:lvl3pPr marL="1919605" indent="0">
+              <a:buNone/>
+              <a:defRPr sz="2520"/>
             </a:lvl3pPr>
-            <a:lvl4pPr marL="1371600" indent="0">
-              <a:buNone/>
-              <a:defRPr sz="1000"/>
+            <a:lvl4pPr marL="2879725" indent="0">
+              <a:buNone/>
+              <a:defRPr sz="2100"/>
             </a:lvl4pPr>
-            <a:lvl5pPr marL="1828800" indent="0">
-              <a:buNone/>
-              <a:defRPr sz="1000"/>
+            <a:lvl5pPr marL="3839845" indent="0">
+              <a:buNone/>
+              <a:defRPr sz="2100"/>
             </a:lvl5pPr>
-            <a:lvl6pPr marL="2286000" indent="0">
-              <a:buNone/>
-              <a:defRPr sz="1000"/>
+            <a:lvl6pPr marL="4800600" indent="0">
+              <a:buNone/>
+              <a:defRPr sz="2100"/>
             </a:lvl6pPr>
-            <a:lvl7pPr marL="2743200" indent="0">
-              <a:buNone/>
-              <a:defRPr sz="1000"/>
+            <a:lvl7pPr marL="5760085" indent="0">
+              <a:buNone/>
+              <a:defRPr sz="2100"/>
             </a:lvl7pPr>
-            <a:lvl8pPr marL="3200400" indent="0">
-              <a:buNone/>
-              <a:defRPr sz="1000"/>
+            <a:lvl8pPr marL="6720205" indent="0">
+              <a:buNone/>
+              <a:defRPr sz="2100"/>
             </a:lvl8pPr>
-            <a:lvl9pPr marL="3657600" indent="0">
-              <a:buNone/>
-              <a:defRPr sz="1000"/>
+            <a:lvl9pPr marL="7680325" indent="0">
+              <a:buNone/>
+              <a:defRPr sz="2100"/>
             </a:lvl9pPr>
           </a:lstStyle>
           <a:p>
@@ -2080,6 +2048,7 @@
               <a:rPr lang="en-US" smtClean="0"/>
               <a:t>Edit Master text styles</a:t>
             </a:r>
+            <a:endParaRPr lang="en-US" smtClean="0"/>
           </a:p>
         </p:txBody>
       </p:sp>
@@ -2100,7 +2069,6 @@
           <a:p>
             <a:fld id="{51E4AAB6-0F9B-4029-A164-2D7DE9FF7D5C}" type="datetimeFigureOut">
               <a:rPr lang="en-US" smtClean="0"/>
-              <a:t>8/24/2022</a:t>
             </a:fld>
             <a:endParaRPr lang="en-US"/>
           </a:p>
@@ -2142,18 +2110,12 @@
           <a:p>
             <a:fld id="{69926335-11EA-42F8-AE75-48AF0E038CA4}" type="slidenum">
               <a:rPr lang="en-US" smtClean="0"/>
-              <a:t>‹#›</a:t>
             </a:fld>
             <a:endParaRPr lang="en-US"/>
           </a:p>
         </p:txBody>
       </p:sp>
     </p:spTree>
-    <p:extLst>
-      <p:ext uri="{BB962C8B-B14F-4D97-AF65-F5344CB8AC3E}">
-        <p14:creationId xmlns:p14="http://schemas.microsoft.com/office/powerpoint/2010/main" val="614005261"/>
-      </p:ext>
-    </p:extLst>
   </p:cSld>
   <p:clrMapOvr>
     <a:masterClrMapping/>
@@ -2190,15 +2152,15 @@
         </p:nvSpPr>
         <p:spPr>
           <a:xfrm>
-            <a:off x="839788" y="457200"/>
-            <a:ext cx="3932237" cy="1600200"/>
+            <a:off x="1487848" y="960028"/>
+            <a:ext cx="6966725" cy="3360098"/>
           </a:xfrm>
         </p:spPr>
         <p:txBody>
           <a:bodyPr anchor="b"/>
           <a:lstStyle>
             <a:lvl1pPr>
-              <a:defRPr sz="3200"/>
+              <a:defRPr sz="6720"/>
             </a:lvl1pPr>
           </a:lstStyle>
           <a:p>
@@ -2222,8 +2184,8 @@
         </p:nvSpPr>
         <p:spPr>
           <a:xfrm>
-            <a:off x="5183188" y="987425"/>
-            <a:ext cx="6172200" cy="4873625"/>
+            <a:off x="9183028" y="2073394"/>
+            <a:ext cx="10935256" cy="10233633"/>
           </a:xfrm>
         </p:spPr>
         <p:txBody>
@@ -2231,39 +2193,39 @@
           <a:lstStyle>
             <a:lvl1pPr marL="0" indent="0">
               <a:buNone/>
-              <a:defRPr sz="3200"/>
+              <a:defRPr sz="6720"/>
             </a:lvl1pPr>
-            <a:lvl2pPr marL="457200" indent="0">
-              <a:buNone/>
-              <a:defRPr sz="2800"/>
+            <a:lvl2pPr marL="960120" indent="0">
+              <a:buNone/>
+              <a:defRPr sz="5880"/>
             </a:lvl2pPr>
-            <a:lvl3pPr marL="914400" indent="0">
-              <a:buNone/>
-              <a:defRPr sz="2400"/>
+            <a:lvl3pPr marL="1919605" indent="0">
+              <a:buNone/>
+              <a:defRPr sz="5040"/>
             </a:lvl3pPr>
-            <a:lvl4pPr marL="1371600" indent="0">
-              <a:buNone/>
-              <a:defRPr sz="2000"/>
+            <a:lvl4pPr marL="2879725" indent="0">
+              <a:buNone/>
+              <a:defRPr sz="4200"/>
             </a:lvl4pPr>
-            <a:lvl5pPr marL="1828800" indent="0">
-              <a:buNone/>
-              <a:defRPr sz="2000"/>
+            <a:lvl5pPr marL="3839845" indent="0">
+              <a:buNone/>
+              <a:defRPr sz="4200"/>
             </a:lvl5pPr>
-            <a:lvl6pPr marL="2286000" indent="0">
-              <a:buNone/>
-              <a:defRPr sz="2000"/>
+            <a:lvl6pPr marL="4800600" indent="0">
+              <a:buNone/>
+              <a:defRPr sz="4200"/>
             </a:lvl6pPr>
-            <a:lvl7pPr marL="2743200" indent="0">
-              <a:buNone/>
-              <a:defRPr sz="2000"/>
+            <a:lvl7pPr marL="5760085" indent="0">
+              <a:buNone/>
+              <a:defRPr sz="4200"/>
             </a:lvl7pPr>
-            <a:lvl8pPr marL="3200400" indent="0">
-              <a:buNone/>
-              <a:defRPr sz="2000"/>
+            <a:lvl8pPr marL="6720205" indent="0">
+              <a:buNone/>
+              <a:defRPr sz="4200"/>
             </a:lvl8pPr>
-            <a:lvl9pPr marL="3657600" indent="0">
-              <a:buNone/>
-              <a:defRPr sz="2000"/>
+            <a:lvl9pPr marL="7680325" indent="0">
+              <a:buNone/>
+              <a:defRPr sz="4200"/>
             </a:lvl9pPr>
           </a:lstStyle>
           <a:p>
@@ -2283,8 +2245,8 @@
         </p:nvSpPr>
         <p:spPr>
           <a:xfrm>
-            <a:off x="839788" y="2057400"/>
-            <a:ext cx="3932237" cy="3811588"/>
+            <a:off x="1487848" y="4320127"/>
+            <a:ext cx="6966725" cy="8003569"/>
           </a:xfrm>
         </p:spPr>
         <p:txBody>
@@ -2292,39 +2254,39 @@
           <a:lstStyle>
             <a:lvl1pPr marL="0" indent="0">
               <a:buNone/>
-              <a:defRPr sz="1600"/>
+              <a:defRPr sz="3360"/>
             </a:lvl1pPr>
-            <a:lvl2pPr marL="457200" indent="0">
-              <a:buNone/>
-              <a:defRPr sz="1400"/>
+            <a:lvl2pPr marL="960120" indent="0">
+              <a:buNone/>
+              <a:defRPr sz="2940"/>
             </a:lvl2pPr>
-            <a:lvl3pPr marL="914400" indent="0">
-              <a:buNone/>
-              <a:defRPr sz="1200"/>
+            <a:lvl3pPr marL="1919605" indent="0">
+              <a:buNone/>
+              <a:defRPr sz="2520"/>
             </a:lvl3pPr>
-            <a:lvl4pPr marL="1371600" indent="0">
-              <a:buNone/>
-              <a:defRPr sz="1000"/>
+            <a:lvl4pPr marL="2879725" indent="0">
+              <a:buNone/>
+              <a:defRPr sz="2100"/>
             </a:lvl4pPr>
-            <a:lvl5pPr marL="1828800" indent="0">
-              <a:buNone/>
-              <a:defRPr sz="1000"/>
+            <a:lvl5pPr marL="3839845" indent="0">
+              <a:buNone/>
+              <a:defRPr sz="2100"/>
             </a:lvl5pPr>
-            <a:lvl6pPr marL="2286000" indent="0">
-              <a:buNone/>
-              <a:defRPr sz="1000"/>
+            <a:lvl6pPr marL="4800600" indent="0">
+              <a:buNone/>
+              <a:defRPr sz="2100"/>
             </a:lvl6pPr>
-            <a:lvl7pPr marL="2743200" indent="0">
-              <a:buNone/>
-              <a:defRPr sz="1000"/>
+            <a:lvl7pPr marL="5760085" indent="0">
+              <a:buNone/>
+              <a:defRPr sz="2100"/>
             </a:lvl7pPr>
-            <a:lvl8pPr marL="3200400" indent="0">
-              <a:buNone/>
-              <a:defRPr sz="1000"/>
+            <a:lvl8pPr marL="6720205" indent="0">
+              <a:buNone/>
+              <a:defRPr sz="2100"/>
             </a:lvl8pPr>
-            <a:lvl9pPr marL="3657600" indent="0">
-              <a:buNone/>
-              <a:defRPr sz="1000"/>
+            <a:lvl9pPr marL="7680325" indent="0">
+              <a:buNone/>
+              <a:defRPr sz="2100"/>
             </a:lvl9pPr>
           </a:lstStyle>
           <a:p>
@@ -2333,6 +2295,7 @@
               <a:rPr lang="en-US" smtClean="0"/>
               <a:t>Edit Master text styles</a:t>
             </a:r>
+            <a:endParaRPr lang="en-US" smtClean="0"/>
           </a:p>
         </p:txBody>
       </p:sp>
@@ -2353,7 +2316,6 @@
           <a:p>
             <a:fld id="{51E4AAB6-0F9B-4029-A164-2D7DE9FF7D5C}" type="datetimeFigureOut">
               <a:rPr lang="en-US" smtClean="0"/>
-              <a:t>8/24/2022</a:t>
             </a:fld>
             <a:endParaRPr lang="en-US"/>
           </a:p>
@@ -2395,18 +2357,12 @@
           <a:p>
             <a:fld id="{69926335-11EA-42F8-AE75-48AF0E038CA4}" type="slidenum">
               <a:rPr lang="en-US" smtClean="0"/>
-              <a:t>‹#›</a:t>
             </a:fld>
             <a:endParaRPr lang="en-US"/>
           </a:p>
         </p:txBody>
       </p:sp>
     </p:spTree>
-    <p:extLst>
-      <p:ext uri="{BB962C8B-B14F-4D97-AF65-F5344CB8AC3E}">
-        <p14:creationId xmlns:p14="http://schemas.microsoft.com/office/powerpoint/2010/main" val="1526501147"/>
-      </p:ext>
-    </p:extLst>
   </p:cSld>
   <p:clrMapOvr>
     <a:masterClrMapping/>
@@ -2448,8 +2404,8 @@
         </p:nvSpPr>
         <p:spPr>
           <a:xfrm>
-            <a:off x="838200" y="365125"/>
-            <a:ext cx="10515600" cy="1325563"/>
+            <a:off x="1485035" y="766689"/>
+            <a:ext cx="18630436" cy="2783416"/>
           </a:xfrm>
           <a:prstGeom prst="rect">
             <a:avLst/>
@@ -2481,8 +2437,8 @@
         </p:nvSpPr>
         <p:spPr>
           <a:xfrm>
-            <a:off x="838200" y="1825625"/>
-            <a:ext cx="10515600" cy="4351338"/>
+            <a:off x="1485035" y="3833446"/>
+            <a:ext cx="18630436" cy="9136935"/>
           </a:xfrm>
           <a:prstGeom prst="rect">
             <a:avLst/>
@@ -2499,6 +2455,7 @@
               <a:rPr lang="en-US" smtClean="0"/>
               <a:t>Edit Master text styles</a:t>
             </a:r>
+            <a:endParaRPr lang="en-US" smtClean="0"/>
           </a:p>
           <a:p>
             <a:pPr lvl="1"/>
@@ -2506,6 +2463,7 @@
               <a:rPr lang="en-US" smtClean="0"/>
               <a:t>Second level</a:t>
             </a:r>
+            <a:endParaRPr lang="en-US" smtClean="0"/>
           </a:p>
           <a:p>
             <a:pPr lvl="2"/>
@@ -2513,6 +2471,7 @@
               <a:rPr lang="en-US" smtClean="0"/>
               <a:t>Third level</a:t>
             </a:r>
+            <a:endParaRPr lang="en-US" smtClean="0"/>
           </a:p>
           <a:p>
             <a:pPr lvl="3"/>
@@ -2520,6 +2479,7 @@
               <a:rPr lang="en-US" smtClean="0"/>
               <a:t>Fourth level</a:t>
             </a:r>
+            <a:endParaRPr lang="en-US" smtClean="0"/>
           </a:p>
           <a:p>
             <a:pPr lvl="4"/>
@@ -2543,8 +2503,8 @@
         </p:nvSpPr>
         <p:spPr>
           <a:xfrm>
-            <a:off x="838200" y="6356350"/>
-            <a:ext cx="2743200" cy="365125"/>
+            <a:off x="1485035" y="13347058"/>
+            <a:ext cx="4860114" cy="766689"/>
           </a:xfrm>
           <a:prstGeom prst="rect">
             <a:avLst/>
@@ -2554,7 +2514,7 @@
           <a:bodyPr vert="horz" lIns="91440" tIns="45720" rIns="91440" bIns="45720" rtlCol="0" anchor="ctr"/>
           <a:lstStyle>
             <a:lvl1pPr algn="l">
-              <a:defRPr sz="1200">
+              <a:defRPr sz="2520">
                 <a:solidFill>
                   <a:schemeClr val="tx1">
                     <a:tint val="75000"/>
@@ -2566,7 +2526,6 @@
           <a:p>
             <a:fld id="{51E4AAB6-0F9B-4029-A164-2D7DE9FF7D5C}" type="datetimeFigureOut">
               <a:rPr lang="en-US" smtClean="0"/>
-              <a:t>8/24/2022</a:t>
             </a:fld>
             <a:endParaRPr lang="en-US"/>
           </a:p>
@@ -2584,8 +2543,8 @@
         </p:nvSpPr>
         <p:spPr>
           <a:xfrm>
-            <a:off x="4038600" y="6356350"/>
-            <a:ext cx="4114800" cy="365125"/>
+            <a:off x="7155167" y="13347058"/>
+            <a:ext cx="7290170" cy="766689"/>
           </a:xfrm>
           <a:prstGeom prst="rect">
             <a:avLst/>
@@ -2595,7 +2554,7 @@
           <a:bodyPr vert="horz" lIns="91440" tIns="45720" rIns="91440" bIns="45720" rtlCol="0" anchor="ctr"/>
           <a:lstStyle>
             <a:lvl1pPr algn="ctr">
-              <a:defRPr sz="1200">
+              <a:defRPr sz="2520">
                 <a:solidFill>
                   <a:schemeClr val="tx1">
                     <a:tint val="75000"/>
@@ -2621,8 +2580,8 @@
         </p:nvSpPr>
         <p:spPr>
           <a:xfrm>
-            <a:off x="8610600" y="6356350"/>
-            <a:ext cx="2743200" cy="365125"/>
+            <a:off x="15255357" y="13347058"/>
+            <a:ext cx="4860114" cy="766689"/>
           </a:xfrm>
           <a:prstGeom prst="rect">
             <a:avLst/>
@@ -2632,7 +2591,7 @@
           <a:bodyPr vert="horz" lIns="91440" tIns="45720" rIns="91440" bIns="45720" rtlCol="0" anchor="ctr"/>
           <a:lstStyle>
             <a:lvl1pPr algn="r">
-              <a:defRPr sz="1200">
+              <a:defRPr sz="2520">
                 <a:solidFill>
                   <a:schemeClr val="tx1">
                     <a:tint val="75000"/>
@@ -2644,18 +2603,12 @@
           <a:p>
             <a:fld id="{69926335-11EA-42F8-AE75-48AF0E038CA4}" type="slidenum">
               <a:rPr lang="en-US" smtClean="0"/>
-              <a:t>‹#›</a:t>
             </a:fld>
             <a:endParaRPr lang="en-US"/>
           </a:p>
         </p:txBody>
       </p:sp>
     </p:spTree>
-    <p:extLst>
-      <p:ext uri="{BB962C8B-B14F-4D97-AF65-F5344CB8AC3E}">
-        <p14:creationId xmlns:p14="http://schemas.microsoft.com/office/powerpoint/2010/main" val="1853571669"/>
-      </p:ext>
-    </p:extLst>
   </p:cSld>
   <p:clrMap bg1="lt1" tx1="dk1" bg2="lt2" tx2="dk2" accent1="accent1" accent2="accent2" accent3="accent3" accent4="accent4" accent5="accent5" accent6="accent6" hlink="hlink" folHlink="folHlink"/>
   <p:sldLayoutIdLst>
@@ -2673,7 +2626,7 @@
   </p:sldLayoutIdLst>
   <p:txStyles>
     <p:titleStyle>
-      <a:lvl1pPr algn="l" defTabSz="914400" rtl="0" eaLnBrk="1" latinLnBrk="0" hangingPunct="1">
+      <a:lvl1pPr algn="l" defTabSz="1919605" rtl="0" eaLnBrk="1" latinLnBrk="0" hangingPunct="1">
         <a:lnSpc>
           <a:spcPct val="90000"/>
         </a:lnSpc>
@@ -2681,7 +2634,7 @@
           <a:spcPct val="0"/>
         </a:spcBef>
         <a:buNone/>
-        <a:defRPr sz="4400" kern="1200">
+        <a:defRPr sz="9240" kern="1200">
           <a:solidFill>
             <a:schemeClr val="tx1"/>
           </a:solidFill>
@@ -2692,16 +2645,16 @@
       </a:lvl1pPr>
     </p:titleStyle>
     <p:bodyStyle>
-      <a:lvl1pPr marL="228600" indent="-228600" algn="l" defTabSz="914400" rtl="0" eaLnBrk="1" latinLnBrk="0" hangingPunct="1">
+      <a:lvl1pPr marL="480060" indent="-480060" algn="l" defTabSz="1919605" rtl="0" eaLnBrk="1" latinLnBrk="0" hangingPunct="1">
         <a:lnSpc>
           <a:spcPct val="90000"/>
         </a:lnSpc>
         <a:spcBef>
-          <a:spcPts val="1000"/>
+          <a:spcPct val="421000"/>
         </a:spcBef>
         <a:buFont typeface="Arial" panose="020B0604020202020204" pitchFamily="34" charset="0"/>
         <a:buChar char="•"/>
-        <a:defRPr sz="2800" kern="1200">
+        <a:defRPr sz="5880" kern="1200">
           <a:solidFill>
             <a:schemeClr val="tx1"/>
           </a:solidFill>
@@ -2710,16 +2663,16 @@
           <a:cs typeface="+mn-cs"/>
         </a:defRPr>
       </a:lvl1pPr>
-      <a:lvl2pPr marL="685800" indent="-228600" algn="l" defTabSz="914400" rtl="0" eaLnBrk="1" latinLnBrk="0" hangingPunct="1">
+      <a:lvl2pPr marL="1440180" indent="-480060" algn="l" defTabSz="1919605" rtl="0" eaLnBrk="1" latinLnBrk="0" hangingPunct="1">
         <a:lnSpc>
           <a:spcPct val="90000"/>
         </a:lnSpc>
         <a:spcBef>
-          <a:spcPts val="500"/>
+          <a:spcPct val="211000"/>
         </a:spcBef>
         <a:buFont typeface="Arial" panose="020B0604020202020204" pitchFamily="34" charset="0"/>
         <a:buChar char="•"/>
-        <a:defRPr sz="2400" kern="1200">
+        <a:defRPr sz="5040" kern="1200">
           <a:solidFill>
             <a:schemeClr val="tx1"/>
           </a:solidFill>
@@ -2728,16 +2681,16 @@
           <a:cs typeface="+mn-cs"/>
         </a:defRPr>
       </a:lvl2pPr>
-      <a:lvl3pPr marL="1143000" indent="-228600" algn="l" defTabSz="914400" rtl="0" eaLnBrk="1" latinLnBrk="0" hangingPunct="1">
+      <a:lvl3pPr marL="2399665" indent="-480060" algn="l" defTabSz="1919605" rtl="0" eaLnBrk="1" latinLnBrk="0" hangingPunct="1">
         <a:lnSpc>
           <a:spcPct val="90000"/>
         </a:lnSpc>
         <a:spcBef>
-          <a:spcPts val="500"/>
+          <a:spcPct val="211000"/>
         </a:spcBef>
         <a:buFont typeface="Arial" panose="020B0604020202020204" pitchFamily="34" charset="0"/>
         <a:buChar char="•"/>
-        <a:defRPr sz="2000" kern="1200">
+        <a:defRPr sz="4200" kern="1200">
           <a:solidFill>
             <a:schemeClr val="tx1"/>
           </a:solidFill>
@@ -2746,16 +2699,16 @@
           <a:cs typeface="+mn-cs"/>
         </a:defRPr>
       </a:lvl3pPr>
-      <a:lvl4pPr marL="1600200" indent="-228600" algn="l" defTabSz="914400" rtl="0" eaLnBrk="1" latinLnBrk="0" hangingPunct="1">
+      <a:lvl4pPr marL="3359785" indent="-480060" algn="l" defTabSz="1919605" rtl="0" eaLnBrk="1" latinLnBrk="0" hangingPunct="1">
         <a:lnSpc>
           <a:spcPct val="90000"/>
         </a:lnSpc>
         <a:spcBef>
-          <a:spcPts val="500"/>
+          <a:spcPct val="211000"/>
         </a:spcBef>
         <a:buFont typeface="Arial" panose="020B0604020202020204" pitchFamily="34" charset="0"/>
         <a:buChar char="•"/>
-        <a:defRPr sz="1800" kern="1200">
+        <a:defRPr sz="3780" kern="1200">
           <a:solidFill>
             <a:schemeClr val="tx1"/>
           </a:solidFill>
@@ -2764,16 +2717,16 @@
           <a:cs typeface="+mn-cs"/>
         </a:defRPr>
       </a:lvl4pPr>
-      <a:lvl5pPr marL="2057400" indent="-228600" algn="l" defTabSz="914400" rtl="0" eaLnBrk="1" latinLnBrk="0" hangingPunct="1">
+      <a:lvl5pPr marL="4319905" indent="-480060" algn="l" defTabSz="1919605" rtl="0" eaLnBrk="1" latinLnBrk="0" hangingPunct="1">
         <a:lnSpc>
           <a:spcPct val="90000"/>
         </a:lnSpc>
         <a:spcBef>
-          <a:spcPts val="500"/>
+          <a:spcPct val="211000"/>
         </a:spcBef>
         <a:buFont typeface="Arial" panose="020B0604020202020204" pitchFamily="34" charset="0"/>
         <a:buChar char="•"/>
-        <a:defRPr sz="1800" kern="1200">
+        <a:defRPr sz="3780" kern="1200">
           <a:solidFill>
             <a:schemeClr val="tx1"/>
           </a:solidFill>
@@ -2782,16 +2735,16 @@
           <a:cs typeface="+mn-cs"/>
         </a:defRPr>
       </a:lvl5pPr>
-      <a:lvl6pPr marL="2514600" indent="-228600" algn="l" defTabSz="914400" rtl="0" eaLnBrk="1" latinLnBrk="0" hangingPunct="1">
+      <a:lvl6pPr marL="5280025" indent="-480060" algn="l" defTabSz="1919605" rtl="0" eaLnBrk="1" latinLnBrk="0" hangingPunct="1">
         <a:lnSpc>
           <a:spcPct val="90000"/>
         </a:lnSpc>
         <a:spcBef>
-          <a:spcPts val="500"/>
+          <a:spcPct val="211000"/>
         </a:spcBef>
         <a:buFont typeface="Arial" panose="020B0604020202020204" pitchFamily="34" charset="0"/>
         <a:buChar char="•"/>
-        <a:defRPr sz="1800" kern="1200">
+        <a:defRPr sz="3780" kern="1200">
           <a:solidFill>
             <a:schemeClr val="tx1"/>
           </a:solidFill>
@@ -2800,16 +2753,16 @@
           <a:cs typeface="+mn-cs"/>
         </a:defRPr>
       </a:lvl6pPr>
-      <a:lvl7pPr marL="2971800" indent="-228600" algn="l" defTabSz="914400" rtl="0" eaLnBrk="1" latinLnBrk="0" hangingPunct="1">
+      <a:lvl7pPr marL="6240145" indent="-480060" algn="l" defTabSz="1919605" rtl="0" eaLnBrk="1" latinLnBrk="0" hangingPunct="1">
         <a:lnSpc>
           <a:spcPct val="90000"/>
         </a:lnSpc>
         <a:spcBef>
-          <a:spcPts val="500"/>
+          <a:spcPct val="211000"/>
         </a:spcBef>
         <a:buFont typeface="Arial" panose="020B0604020202020204" pitchFamily="34" charset="0"/>
         <a:buChar char="•"/>
-        <a:defRPr sz="1800" kern="1200">
+        <a:defRPr sz="3780" kern="1200">
           <a:solidFill>
             <a:schemeClr val="tx1"/>
           </a:solidFill>
@@ -2818,16 +2771,16 @@
           <a:cs typeface="+mn-cs"/>
         </a:defRPr>
       </a:lvl7pPr>
-      <a:lvl8pPr marL="3429000" indent="-228600" algn="l" defTabSz="914400" rtl="0" eaLnBrk="1" latinLnBrk="0" hangingPunct="1">
+      <a:lvl8pPr marL="7200265" indent="-480060" algn="l" defTabSz="1919605" rtl="0" eaLnBrk="1" latinLnBrk="0" hangingPunct="1">
         <a:lnSpc>
           <a:spcPct val="90000"/>
         </a:lnSpc>
         <a:spcBef>
-          <a:spcPts val="500"/>
+          <a:spcPct val="211000"/>
         </a:spcBef>
         <a:buFont typeface="Arial" panose="020B0604020202020204" pitchFamily="34" charset="0"/>
         <a:buChar char="•"/>
-        <a:defRPr sz="1800" kern="1200">
+        <a:defRPr sz="3780" kern="1200">
           <a:solidFill>
             <a:schemeClr val="tx1"/>
           </a:solidFill>
@@ -2836,16 +2789,16 @@
           <a:cs typeface="+mn-cs"/>
         </a:defRPr>
       </a:lvl8pPr>
-      <a:lvl9pPr marL="3886200" indent="-228600" algn="l" defTabSz="914400" rtl="0" eaLnBrk="1" latinLnBrk="0" hangingPunct="1">
+      <a:lvl9pPr marL="8160385" indent="-480060" algn="l" defTabSz="1919605" rtl="0" eaLnBrk="1" latinLnBrk="0" hangingPunct="1">
         <a:lnSpc>
           <a:spcPct val="90000"/>
         </a:lnSpc>
         <a:spcBef>
-          <a:spcPts val="500"/>
+          <a:spcPct val="211000"/>
         </a:spcBef>
         <a:buFont typeface="Arial" panose="020B0604020202020204" pitchFamily="34" charset="0"/>
         <a:buChar char="•"/>
-        <a:defRPr sz="1800" kern="1200">
+        <a:defRPr sz="3780" kern="1200">
           <a:solidFill>
             <a:schemeClr val="tx1"/>
           </a:solidFill>
@@ -2859,8 +2812,8 @@
       <a:defPPr>
         <a:defRPr lang="en-US"/>
       </a:defPPr>
-      <a:lvl1pPr marL="0" algn="l" defTabSz="914400" rtl="0" eaLnBrk="1" latinLnBrk="0" hangingPunct="1">
-        <a:defRPr sz="1800" kern="1200">
+      <a:lvl1pPr marL="0" algn="l" defTabSz="1919605" rtl="0" eaLnBrk="1" latinLnBrk="0" hangingPunct="1">
+        <a:defRPr sz="3780" kern="1200">
           <a:solidFill>
             <a:schemeClr val="tx1"/>
           </a:solidFill>
@@ -2869,8 +2822,8 @@
           <a:cs typeface="+mn-cs"/>
         </a:defRPr>
       </a:lvl1pPr>
-      <a:lvl2pPr marL="457200" algn="l" defTabSz="914400" rtl="0" eaLnBrk="1" latinLnBrk="0" hangingPunct="1">
-        <a:defRPr sz="1800" kern="1200">
+      <a:lvl2pPr marL="960120" algn="l" defTabSz="1919605" rtl="0" eaLnBrk="1" latinLnBrk="0" hangingPunct="1">
+        <a:defRPr sz="3780" kern="1200">
           <a:solidFill>
             <a:schemeClr val="tx1"/>
           </a:solidFill>
@@ -2879,8 +2832,8 @@
           <a:cs typeface="+mn-cs"/>
         </a:defRPr>
       </a:lvl2pPr>
-      <a:lvl3pPr marL="914400" algn="l" defTabSz="914400" rtl="0" eaLnBrk="1" latinLnBrk="0" hangingPunct="1">
-        <a:defRPr sz="1800" kern="1200">
+      <a:lvl3pPr marL="1919605" algn="l" defTabSz="1919605" rtl="0" eaLnBrk="1" latinLnBrk="0" hangingPunct="1">
+        <a:defRPr sz="3780" kern="1200">
           <a:solidFill>
             <a:schemeClr val="tx1"/>
           </a:solidFill>
@@ -2889,8 +2842,8 @@
           <a:cs typeface="+mn-cs"/>
         </a:defRPr>
       </a:lvl3pPr>
-      <a:lvl4pPr marL="1371600" algn="l" defTabSz="914400" rtl="0" eaLnBrk="1" latinLnBrk="0" hangingPunct="1">
-        <a:defRPr sz="1800" kern="1200">
+      <a:lvl4pPr marL="2879725" algn="l" defTabSz="1919605" rtl="0" eaLnBrk="1" latinLnBrk="0" hangingPunct="1">
+        <a:defRPr sz="3780" kern="1200">
           <a:solidFill>
             <a:schemeClr val="tx1"/>
           </a:solidFill>
@@ -2899,8 +2852,8 @@
           <a:cs typeface="+mn-cs"/>
         </a:defRPr>
       </a:lvl4pPr>
-      <a:lvl5pPr marL="1828800" algn="l" defTabSz="914400" rtl="0" eaLnBrk="1" latinLnBrk="0" hangingPunct="1">
-        <a:defRPr sz="1800" kern="1200">
+      <a:lvl5pPr marL="3839845" algn="l" defTabSz="1919605" rtl="0" eaLnBrk="1" latinLnBrk="0" hangingPunct="1">
+        <a:defRPr sz="3780" kern="1200">
           <a:solidFill>
             <a:schemeClr val="tx1"/>
           </a:solidFill>
@@ -2909,8 +2862,8 @@
           <a:cs typeface="+mn-cs"/>
         </a:defRPr>
       </a:lvl5pPr>
-      <a:lvl6pPr marL="2286000" algn="l" defTabSz="914400" rtl="0" eaLnBrk="1" latinLnBrk="0" hangingPunct="1">
-        <a:defRPr sz="1800" kern="1200">
+      <a:lvl6pPr marL="4800600" algn="l" defTabSz="1919605" rtl="0" eaLnBrk="1" latinLnBrk="0" hangingPunct="1">
+        <a:defRPr sz="3780" kern="1200">
           <a:solidFill>
             <a:schemeClr val="tx1"/>
           </a:solidFill>
@@ -2919,8 +2872,8 @@
           <a:cs typeface="+mn-cs"/>
         </a:defRPr>
       </a:lvl6pPr>
-      <a:lvl7pPr marL="2743200" algn="l" defTabSz="914400" rtl="0" eaLnBrk="1" latinLnBrk="0" hangingPunct="1">
-        <a:defRPr sz="1800" kern="1200">
+      <a:lvl7pPr marL="5760085" algn="l" defTabSz="1919605" rtl="0" eaLnBrk="1" latinLnBrk="0" hangingPunct="1">
+        <a:defRPr sz="3780" kern="1200">
           <a:solidFill>
             <a:schemeClr val="tx1"/>
           </a:solidFill>
@@ -2929,8 +2882,8 @@
           <a:cs typeface="+mn-cs"/>
         </a:defRPr>
       </a:lvl7pPr>
-      <a:lvl8pPr marL="3200400" algn="l" defTabSz="914400" rtl="0" eaLnBrk="1" latinLnBrk="0" hangingPunct="1">
-        <a:defRPr sz="1800" kern="1200">
+      <a:lvl8pPr marL="6720205" algn="l" defTabSz="1919605" rtl="0" eaLnBrk="1" latinLnBrk="0" hangingPunct="1">
+        <a:defRPr sz="3780" kern="1200">
           <a:solidFill>
             <a:schemeClr val="tx1"/>
           </a:solidFill>
@@ -2939,8 +2892,8 @@
           <a:cs typeface="+mn-cs"/>
         </a:defRPr>
       </a:lvl8pPr>
-      <a:lvl9pPr marL="3657600" algn="l" defTabSz="914400" rtl="0" eaLnBrk="1" latinLnBrk="0" hangingPunct="1">
-        <a:defRPr sz="1800" kern="1200">
+      <a:lvl9pPr marL="7680325" algn="l" defTabSz="1919605" rtl="0" eaLnBrk="1" latinLnBrk="0" hangingPunct="1">
+        <a:defRPr sz="3780" kern="1200">
           <a:solidFill>
             <a:schemeClr val="tx1"/>
           </a:solidFill>
@@ -2963,78 +2916,72 @@
         <p:cNvGrpSpPr/>
         <p:nvPr/>
       </p:nvGrpSpPr>
-      <p:grpSpPr>
-        <a:xfrm>
-          <a:off x="0" y="0"/>
-          <a:ext cx="0" cy="0"/>
-          <a:chOff x="0" y="0"/>
-          <a:chExt cx="0" cy="0"/>
-        </a:xfrm>
-      </p:grpSpPr>
-      <p:pic>
-        <p:nvPicPr>
-          <p:cNvPr id="2" name="Picture 1"/>
-          <p:cNvPicPr>
-            <a:picLocks noChangeAspect="1"/>
-          </p:cNvPicPr>
+      <p:grpSpPr/>
+      <p:sp>
+        <p:nvSpPr>
+          <p:cNvPr id="4" name="Oval Callout 3"/>
+          <p:cNvSpPr/>
           <p:nvPr/>
-        </p:nvPicPr>
-        <p:blipFill>
-          <a:blip r:embed="rId2">
-            <a:duotone>
-              <a:prstClr val="black"/>
-              <a:schemeClr val="accent2">
-                <a:tint val="45000"/>
-                <a:satMod val="400000"/>
-              </a:schemeClr>
-            </a:duotone>
-            <a:extLst>
-              <a:ext uri="{BEBA8EAE-BF5A-486C-A8C5-ECC9F3942E4B}">
-                <a14:imgProps xmlns:a14="http://schemas.microsoft.com/office/drawing/2010/main">
-                  <a14:imgLayer r:embed="rId3">
-                    <a14:imgEffect>
-                      <a14:sharpenSoften amount="50000"/>
-                    </a14:imgEffect>
-                  </a14:imgLayer>
-                </a14:imgProps>
-              </a:ext>
-              <a:ext uri="{28A0092B-C50C-407E-A947-70E740481C1C}">
-                <a14:useLocalDpi xmlns:a14="http://schemas.microsoft.com/office/drawing/2010/main" val="0"/>
-              </a:ext>
-            </a:extLst>
-          </a:blip>
-          <a:stretch>
-            <a:fillRect/>
-          </a:stretch>
-        </p:blipFill>
+        </p:nvSpPr>
         <p:spPr>
           <a:xfrm>
-            <a:off x="488100" y="-2625213"/>
-            <a:ext cx="10800000" cy="10800000"/>
+            <a:off x="4410354" y="1848538"/>
+            <a:ext cx="10800000" cy="7200000"/>
           </a:xfrm>
-          <a:prstGeom prst="rect">
+          <a:prstGeom prst="wedgeEllipseCallout">
             <a:avLst/>
           </a:prstGeom>
-          <a:noFill/>
-          <a:effectLst>
-            <a:outerShdw blurRad="152400" dist="127000" dir="2700000" algn="tl" rotWithShape="0">
+          <a:pattFill prst="pct30">
+            <a:fgClr>
               <a:schemeClr val="bg1">
-                <a:lumMod val="65000"/>
+                <a:lumMod val="50000"/>
               </a:schemeClr>
-            </a:outerShdw>
-          </a:effectLst>
+            </a:fgClr>
+            <a:bgClr>
+              <a:schemeClr val="tx1">
+                <a:lumMod val="75000"/>
+                <a:lumOff val="25000"/>
+              </a:schemeClr>
+            </a:bgClr>
+          </a:pattFill>
+          <a:ln>
+            <a:noFill/>
+          </a:ln>
         </p:spPr>
-      </p:pic>
-      <p:sp>
-        <p:nvSpPr>
-          <p:cNvPr id="5" name="TextBox 4"/>
+        <p:style>
+          <a:lnRef idx="2">
+            <a:schemeClr val="accent1">
+              <a:shade val="50000"/>
+            </a:schemeClr>
+          </a:lnRef>
+          <a:fillRef idx="1">
+            <a:schemeClr val="accent1"/>
+          </a:fillRef>
+          <a:effectRef idx="0">
+            <a:schemeClr val="accent1"/>
+          </a:effectRef>
+          <a:fontRef idx="minor">
+            <a:schemeClr val="lt1"/>
+          </a:fontRef>
+        </p:style>
+        <p:txBody>
+          <a:bodyPr rtlCol="0" anchor="ctr"/>
+          <a:p>
+            <a:pPr algn="ctr"/>
+            <a:endParaRPr lang="en-US"/>
+          </a:p>
+        </p:txBody>
+      </p:sp>
+      <p:sp>
+        <p:nvSpPr>
+          <p:cNvPr id="6" name="TextBox 4"/>
           <p:cNvSpPr txBox="1"/>
           <p:nvPr/>
         </p:nvSpPr>
         <p:spPr>
           <a:xfrm>
-            <a:off x="488100" y="-122813"/>
-            <a:ext cx="7653009" cy="2646878"/>
+            <a:off x="4620895" y="3166110"/>
+            <a:ext cx="9452610" cy="4307840"/>
           </a:xfrm>
           <a:prstGeom prst="rect">
             <a:avLst/>
@@ -3045,11 +2992,10 @@
           <a:bodyPr wrap="square" rtlCol="0">
             <a:spAutoFit/>
           </a:bodyPr>
-          <a:lstStyle/>
           <a:p>
             <a:pPr algn="ctr"/>
             <a:r>
-              <a:rPr lang="en-US" sz="16600" dirty="0" smtClean="0">
+              <a:rPr lang="en-US" sz="27400" dirty="0" smtClean="0">
                 <a:solidFill>
                   <a:schemeClr val="bg1"/>
                 </a:solidFill>
@@ -3058,7 +3004,7 @@
               </a:rPr>
               <a:t>Nyux</a:t>
             </a:r>
-            <a:endParaRPr lang="en-US" sz="16600" dirty="0">
+            <a:endParaRPr lang="en-US" sz="27400" dirty="0" smtClean="0">
               <a:solidFill>
                 <a:schemeClr val="bg1"/>
               </a:solidFill>
@@ -3070,20 +3016,20 @@
       </p:sp>
       <p:sp>
         <p:nvSpPr>
-          <p:cNvPr id="6" name="Oval 5"/>
+          <p:cNvPr id="7" name="Oval 6"/>
           <p:cNvSpPr/>
           <p:nvPr/>
         </p:nvSpPr>
         <p:spPr>
           <a:xfrm>
-            <a:off x="6341806" y="120626"/>
+            <a:off x="12585963" y="4087165"/>
             <a:ext cx="1080000" cy="1080000"/>
           </a:xfrm>
           <a:prstGeom prst="ellipse">
             <a:avLst/>
           </a:prstGeom>
           <a:noFill/>
-          <a:ln w="76200">
+          <a:ln w="104775">
             <a:solidFill>
               <a:schemeClr val="bg1"/>
             </a:solidFill>
@@ -3107,17 +3053,16 @@
         </p:style>
         <p:txBody>
           <a:bodyPr rtlCol="0" anchor="ctr"/>
-          <a:lstStyle/>
           <a:p>
             <a:pPr algn="ctr"/>
             <a:r>
-              <a:rPr lang="en-US" sz="4800" dirty="0" smtClean="0">
+              <a:rPr lang="en-US" sz="4800" b="1" dirty="0" smtClean="0">
                 <a:latin typeface="QisiBest Wishes" panose="02020600040101010101" pitchFamily="18" charset="0"/>
                 <a:ea typeface="QisiBest Wishes" panose="02020600040101010101" pitchFamily="18" charset="0"/>
               </a:rPr>
               <a:t>W</a:t>
             </a:r>
-            <a:endParaRPr lang="en-US" sz="4800" dirty="0">
+            <a:endParaRPr lang="en-US" sz="4800" b="1" dirty="0" smtClean="0">
               <a:latin typeface="QisiBest Wishes" panose="02020600040101010101" pitchFamily="18" charset="0"/>
               <a:ea typeface="QisiBest Wishes" panose="02020600040101010101" pitchFamily="18" charset="0"/>
             </a:endParaRPr>
@@ -3125,11 +3070,6 @@
         </p:txBody>
       </p:sp>
     </p:spTree>
-    <p:extLst>
-      <p:ext uri="{BB962C8B-B14F-4D97-AF65-F5344CB8AC3E}">
-        <p14:creationId xmlns:p14="http://schemas.microsoft.com/office/powerpoint/2010/main" val="3628199708"/>
-      </p:ext>
-    </p:extLst>
   </p:cSld>
   <p:clrMapOvr>
     <a:masterClrMapping/>
@@ -3140,6 +3080,14 @@
 <file path=ppt/slides/slide2.xml><?xml version="1.0" encoding="utf-8"?>
 <p:sld xmlns:a="http://schemas.openxmlformats.org/drawingml/2006/main" xmlns:r="http://schemas.openxmlformats.org/officeDocument/2006/relationships" xmlns:p="http://schemas.openxmlformats.org/presentationml/2006/main">
   <p:cSld>
+    <p:bg>
+      <p:bgPr>
+        <a:solidFill>
+          <a:srgbClr val="EDEDED"/>
+        </a:solidFill>
+        <a:effectLst/>
+      </p:bgPr>
+    </p:bg>
     <p:spTree>
       <p:nvGrpSpPr>
         <p:cNvPr id="1" name=""/>
@@ -3162,8 +3110,8 @@
         </p:nvSpPr>
         <p:spPr>
           <a:xfrm>
-            <a:off x="-2019125" y="0"/>
-            <a:ext cx="14909216" cy="9248686"/>
+            <a:off x="382905" y="1891665"/>
+            <a:ext cx="19410045" cy="10617200"/>
           </a:xfrm>
           <a:prstGeom prst="rect">
             <a:avLst/>
@@ -3177,43 +3125,64 @@
               <a:camera prst="orthographicFront"/>
               <a:lightRig rig="threePt" dir="t"/>
             </a:scene3d>
-            <a:sp3d extrusionH="57150">
-              <a:bevelT h="25400" prst="softRound"/>
-            </a:sp3d>
           </a:bodyPr>
           <a:lstStyle/>
           <a:p>
             <a:pPr algn="ctr"/>
             <a:r>
-              <a:rPr lang="en-US" sz="59500" dirty="0" smtClean="0">
-                <a:solidFill>
-                  <a:srgbClr val="A77051"/>
-                </a:solidFill>
+              <a:rPr lang="en-US" sz="68400" dirty="0" smtClean="0">
+                <a:pattFill prst="pct30">
+                  <a:fgClr>
+                    <a:schemeClr val="bg1">
+                      <a:lumMod val="50000"/>
+                    </a:schemeClr>
+                  </a:fgClr>
+                  <a:bgClr>
+                    <a:schemeClr val="tx1">
+                      <a:lumMod val="75000"/>
+                      <a:lumOff val="25000"/>
+                    </a:schemeClr>
+                  </a:bgClr>
+                </a:pattFill>
                 <a:effectLst>
-                  <a:outerShdw blurRad="25400" dist="25400" dir="5400000" algn="t" rotWithShape="0">
-                    <a:prstClr val="black">
-                      <a:alpha val="45000"/>
-                    </a:prstClr>
+                  <a:outerShdw blurRad="38100" dist="19050" dir="2700000" algn="tl" rotWithShape="0">
+                    <a:schemeClr val="dk1">
+                      <a:lumMod val="50000"/>
+                      <a:alpha val="40000"/>
+                    </a:schemeClr>
                   </a:outerShdw>
                 </a:effectLst>
                 <a:latin typeface="QisiBest Wishes" panose="02020600040101010101" pitchFamily="18" charset="0"/>
                 <a:ea typeface="QisiBest Wishes" panose="02020600040101010101" pitchFamily="18" charset="0"/>
+                <a:cs typeface="QisiBest Wishes" panose="02020600040101010101" pitchFamily="18" charset="0"/>
               </a:rPr>
               <a:t>Nyux</a:t>
             </a:r>
-            <a:endParaRPr lang="en-US" sz="59500" dirty="0">
-              <a:solidFill>
-                <a:srgbClr val="A77051"/>
-              </a:solidFill>
+            <a:endParaRPr lang="en-US" sz="68400" dirty="0" smtClean="0">
+              <a:pattFill prst="pct30">
+                <a:fgClr>
+                  <a:schemeClr val="bg1">
+                    <a:lumMod val="50000"/>
+                  </a:schemeClr>
+                </a:fgClr>
+                <a:bgClr>
+                  <a:schemeClr val="tx1">
+                    <a:lumMod val="75000"/>
+                    <a:lumOff val="25000"/>
+                  </a:schemeClr>
+                </a:bgClr>
+              </a:pattFill>
               <a:effectLst>
-                <a:outerShdw blurRad="25400" dist="25400" dir="5400000" algn="t" rotWithShape="0">
-                  <a:prstClr val="black">
-                    <a:alpha val="45000"/>
-                  </a:prstClr>
+                <a:outerShdw blurRad="38100" dist="19050" dir="2700000" algn="tl" rotWithShape="0">
+                  <a:schemeClr val="dk1">
+                    <a:lumMod val="50000"/>
+                    <a:alpha val="40000"/>
+                  </a:schemeClr>
                 </a:outerShdw>
               </a:effectLst>
               <a:latin typeface="QisiBest Wishes" panose="02020600040101010101" pitchFamily="18" charset="0"/>
               <a:ea typeface="QisiBest Wishes" panose="02020600040101010101" pitchFamily="18" charset="0"/>
+              <a:cs typeface="QisiBest Wishes" panose="02020600040101010101" pitchFamily="18" charset="0"/>
             </a:endParaRPr>
           </a:p>
         </p:txBody>
@@ -3226,17 +3195,27 @@
         </p:nvSpPr>
         <p:spPr>
           <a:xfrm>
-            <a:off x="12624619" y="2257864"/>
-            <a:ext cx="2160000" cy="2160000"/>
+            <a:off x="17883505" y="4289425"/>
+            <a:ext cx="2700000" cy="2700000"/>
           </a:xfrm>
           <a:prstGeom prst="ellipse">
             <a:avLst/>
           </a:prstGeom>
-          <a:noFill/>
+          <a:pattFill prst="pct30">
+            <a:fgClr>
+              <a:schemeClr val="bg1">
+                <a:lumMod val="50000"/>
+              </a:schemeClr>
+            </a:fgClr>
+            <a:bgClr>
+              <a:schemeClr val="tx1">
+                <a:lumMod val="75000"/>
+                <a:lumOff val="25000"/>
+              </a:schemeClr>
+            </a:bgClr>
+          </a:pattFill>
           <a:ln w="190500">
-            <a:solidFill>
-              <a:srgbClr val="A77051"/>
-            </a:solidFill>
+            <a:noFill/>
           </a:ln>
           <a:effectLst>
             <a:outerShdw blurRad="50800" dist="38100" dir="2700000" algn="tl" rotWithShape="0">
@@ -3274,27 +3253,20 @@
           <a:lstStyle/>
           <a:p>
             <a:pPr algn="ctr"/>
-            <a:r>
-              <a:rPr lang="en-US" sz="13800" dirty="0" smtClean="0">
-                <a:solidFill>
-                  <a:srgbClr val="A77051"/>
-                </a:solidFill>
-                <a:effectLst>
-                  <a:outerShdw blurRad="50800" dist="38100" dir="5400000" algn="t" rotWithShape="0">
-                    <a:prstClr val="black">
-                      <a:alpha val="40000"/>
-                    </a:prstClr>
-                  </a:outerShdw>
-                </a:effectLst>
-                <a:latin typeface="QisiBest Wishes" panose="02020600040101010101" pitchFamily="18" charset="0"/>
-                <a:ea typeface="QisiBest Wishes" panose="02020600040101010101" pitchFamily="18" charset="0"/>
-              </a:rPr>
-              <a:t>W</a:t>
-            </a:r>
-            <a:endParaRPr lang="en-US" sz="13800" dirty="0">
-              <a:solidFill>
-                <a:srgbClr val="A77051"/>
-              </a:solidFill>
+            <a:endParaRPr lang="en-US" sz="13800" dirty="0" smtClean="0">
+              <a:pattFill prst="pct30">
+                <a:fgClr>
+                  <a:schemeClr val="bg1">
+                    <a:lumMod val="50000"/>
+                  </a:schemeClr>
+                </a:fgClr>
+                <a:bgClr>
+                  <a:schemeClr val="tx1">
+                    <a:lumMod val="75000"/>
+                    <a:lumOff val="25000"/>
+                  </a:schemeClr>
+                </a:bgClr>
+              </a:pattFill>
               <a:effectLst>
                 <a:outerShdw blurRad="50800" dist="38100" dir="5400000" algn="t" rotWithShape="0">
                   <a:prstClr val="black">
@@ -3308,12 +3280,179 @@
           </a:p>
         </p:txBody>
       </p:sp>
+      <p:sp>
+        <p:nvSpPr>
+          <p:cNvPr id="3" name="Oval 2"/>
+          <p:cNvSpPr/>
+          <p:nvPr/>
+        </p:nvSpPr>
+        <p:spPr>
+          <a:xfrm>
+            <a:off x="18099405" y="4505325"/>
+            <a:ext cx="2268000" cy="2268000"/>
+          </a:xfrm>
+          <a:prstGeom prst="ellipse">
+            <a:avLst/>
+          </a:prstGeom>
+          <a:solidFill>
+            <a:schemeClr val="bg1"/>
+          </a:solidFill>
+          <a:ln w="190500">
+            <a:noFill/>
+          </a:ln>
+          <a:effectLst/>
+          <a:scene3d>
+            <a:camera prst="orthographicFront"/>
+            <a:lightRig rig="threePt" dir="t"/>
+          </a:scene3d>
+          <a:sp3d>
+            <a:bevelT w="152400" h="50800" prst="softRound"/>
+          </a:sp3d>
+        </p:spPr>
+        <p:style>
+          <a:lnRef idx="2">
+            <a:schemeClr val="accent1">
+              <a:shade val="50000"/>
+            </a:schemeClr>
+          </a:lnRef>
+          <a:fillRef idx="1">
+            <a:schemeClr val="accent1"/>
+          </a:fillRef>
+          <a:effectRef idx="0">
+            <a:schemeClr val="accent1"/>
+          </a:effectRef>
+          <a:fontRef idx="minor">
+            <a:schemeClr val="lt1"/>
+          </a:fontRef>
+        </p:style>
+        <p:txBody>
+          <a:bodyPr rtlCol="0" anchor="ctr"/>
+          <a:lstStyle/>
+          <a:p>
+            <a:pPr algn="ctr"/>
+            <a:endParaRPr lang="en-US" sz="13800" dirty="0" smtClean="0">
+              <a:pattFill prst="pct30">
+                <a:fgClr>
+                  <a:schemeClr val="bg1">
+                    <a:lumMod val="50000"/>
+                  </a:schemeClr>
+                </a:fgClr>
+                <a:bgClr>
+                  <a:schemeClr val="tx1">
+                    <a:lumMod val="75000"/>
+                    <a:lumOff val="25000"/>
+                  </a:schemeClr>
+                </a:bgClr>
+              </a:pattFill>
+              <a:effectLst>
+                <a:outerShdw blurRad="50800" dist="38100" dir="5400000" algn="t" rotWithShape="0">
+                  <a:prstClr val="black">
+                    <a:alpha val="40000"/>
+                  </a:prstClr>
+                </a:outerShdw>
+              </a:effectLst>
+              <a:latin typeface="QisiBest Wishes" panose="02020600040101010101" pitchFamily="18" charset="0"/>
+              <a:ea typeface="QisiBest Wishes" panose="02020600040101010101" pitchFamily="18" charset="0"/>
+            </a:endParaRPr>
+          </a:p>
+        </p:txBody>
+      </p:sp>
+      <p:sp>
+        <p:nvSpPr>
+          <p:cNvPr id="2" name="Oval 1"/>
+          <p:cNvSpPr/>
+          <p:nvPr/>
+        </p:nvSpPr>
+        <p:spPr>
+          <a:xfrm>
+            <a:off x="18099405" y="4505325"/>
+            <a:ext cx="2268000" cy="2268000"/>
+          </a:xfrm>
+          <a:prstGeom prst="ellipse">
+            <a:avLst/>
+          </a:prstGeom>
+          <a:noFill/>
+          <a:ln w="190500">
+            <a:noFill/>
+          </a:ln>
+          <a:effectLst>
+            <a:outerShdw blurRad="50800" dist="38100" dir="2700000" algn="tl" rotWithShape="0">
+              <a:prstClr val="black">
+                <a:alpha val="40000"/>
+              </a:prstClr>
+            </a:outerShdw>
+          </a:effectLst>
+          <a:scene3d>
+            <a:camera prst="orthographicFront"/>
+            <a:lightRig rig="threePt" dir="t"/>
+          </a:scene3d>
+          <a:sp3d>
+            <a:bevelT w="152400" h="50800" prst="softRound"/>
+          </a:sp3d>
+        </p:spPr>
+        <p:style>
+          <a:lnRef idx="2">
+            <a:schemeClr val="accent1">
+              <a:shade val="50000"/>
+            </a:schemeClr>
+          </a:lnRef>
+          <a:fillRef idx="1">
+            <a:schemeClr val="accent1"/>
+          </a:fillRef>
+          <a:effectRef idx="0">
+            <a:schemeClr val="accent1"/>
+          </a:effectRef>
+          <a:fontRef idx="minor">
+            <a:schemeClr val="lt1"/>
+          </a:fontRef>
+        </p:style>
+        <p:txBody>
+          <a:bodyPr rtlCol="0" anchor="ctr"/>
+          <a:p>
+            <a:pPr algn="ctr"/>
+            <a:r>
+              <a:rPr lang="en-US" sz="13800" dirty="0" smtClean="0">
+                <a:pattFill prst="pct30">
+                  <a:fgClr>
+                    <a:schemeClr val="bg1">
+                      <a:lumMod val="50000"/>
+                    </a:schemeClr>
+                  </a:fgClr>
+                  <a:bgClr>
+                    <a:schemeClr val="tx1">
+                      <a:lumMod val="75000"/>
+                      <a:lumOff val="25000"/>
+                    </a:schemeClr>
+                  </a:bgClr>
+                </a:pattFill>
+                <a:effectLst/>
+                <a:latin typeface="QisiBest Wishes" panose="02020600040101010101" pitchFamily="18" charset="0"/>
+                <a:ea typeface="QisiBest Wishes" panose="02020600040101010101" pitchFamily="18" charset="0"/>
+              </a:rPr>
+              <a:t>W</a:t>
+            </a:r>
+            <a:endParaRPr lang="en-US" sz="13800" dirty="0" smtClean="0">
+              <a:pattFill prst="pct30">
+                <a:fgClr>
+                  <a:schemeClr val="bg1">
+                    <a:lumMod val="50000"/>
+                  </a:schemeClr>
+                </a:fgClr>
+                <a:bgClr>
+                  <a:schemeClr val="tx1">
+                    <a:lumMod val="75000"/>
+                    <a:lumOff val="25000"/>
+                  </a:schemeClr>
+                </a:bgClr>
+              </a:pattFill>
+              <a:effectLst/>
+              <a:latin typeface="QisiBest Wishes" panose="02020600040101010101" pitchFamily="18" charset="0"/>
+              <a:ea typeface="QisiBest Wishes" panose="02020600040101010101" pitchFamily="18" charset="0"/>
+            </a:endParaRPr>
+          </a:p>
+        </p:txBody>
+      </p:sp>
     </p:spTree>
-    <p:extLst>
-      <p:ext uri="{BB962C8B-B14F-4D97-AF65-F5344CB8AC3E}">
-        <p14:creationId xmlns:p14="http://schemas.microsoft.com/office/powerpoint/2010/main" val="68991368"/>
-      </p:ext>
-    </p:extLst>
   </p:cSld>
   <p:clrMapOvr>
     <a:masterClrMapping/>
@@ -3353,14 +3492,14 @@
         </p:nvSpPr>
         <p:spPr>
           <a:xfrm>
-            <a:off x="-737420" y="-2094272"/>
-            <a:ext cx="18144000" cy="9072000"/>
+            <a:off x="2159630" y="2663873"/>
+            <a:ext cx="17280000" cy="9072000"/>
           </a:xfrm>
           <a:prstGeom prst="rect">
             <a:avLst/>
           </a:prstGeom>
           <a:solidFill>
-            <a:schemeClr val="bg1"/>
+            <a:srgbClr val="EDEDED"/>
           </a:solidFill>
           <a:ln>
             <a:noFill/>
@@ -3387,43 +3526,10 @@
           <a:lstStyle/>
           <a:p>
             <a:pPr algn="ctr"/>
-            <a:endParaRPr lang="en-US"/>
-          </a:p>
-        </p:txBody>
-      </p:sp>
-      <p:pic>
-        <p:nvPicPr>
-          <p:cNvPr id="2" name="Picture 1"/>
-          <p:cNvPicPr>
-            <a:picLocks noChangeAspect="1"/>
-          </p:cNvPicPr>
-          <p:nvPr/>
-        </p:nvPicPr>
-        <p:blipFill>
-          <a:blip r:embed="rId2" cstate="print">
-            <a:extLst>
-              <a:ext uri="{28A0092B-C50C-407E-A947-70E740481C1C}">
-                <a14:useLocalDpi xmlns:a14="http://schemas.microsoft.com/office/drawing/2010/main" val="0"/>
-              </a:ext>
-            </a:extLst>
-          </a:blip>
-          <a:stretch>
-            <a:fillRect/>
-          </a:stretch>
-        </p:blipFill>
-        <p:spPr>
-          <a:xfrm>
-            <a:off x="1074173" y="-72872"/>
-            <a:ext cx="5029200" cy="5029200"/>
-          </a:xfrm>
-          <a:prstGeom prst="rect">
-            <a:avLst/>
-          </a:prstGeom>
-          <a:effectLst>
-            <a:reflection blurRad="6350" stA="52000" endA="300" endPos="35000" dir="5400000" sy="-100000" algn="bl" rotWithShape="0"/>
-          </a:effectLst>
-        </p:spPr>
-      </p:pic>
+            <a:endParaRPr lang="en-US" sz="1200"/>
+          </a:p>
+        </p:txBody>
+      </p:sp>
       <p:sp>
         <p:nvSpPr>
           <p:cNvPr id="6" name="TextBox 5"/>
@@ -3432,8 +3538,8 @@
         </p:nvSpPr>
         <p:spPr>
           <a:xfrm>
-            <a:off x="7507697" y="0"/>
-            <a:ext cx="8494558" cy="5201424"/>
+            <a:off x="10502900" y="4231005"/>
+            <a:ext cx="8719820" cy="5939155"/>
           </a:xfrm>
           <a:prstGeom prst="rect">
             <a:avLst/>
@@ -3454,10 +3560,20 @@
           <a:lstStyle/>
           <a:p>
             <a:r>
-              <a:rPr lang="en-US" sz="16600" dirty="0" smtClean="0">
-                <a:solidFill>
-                  <a:srgbClr val="A77051"/>
-                </a:solidFill>
+              <a:rPr lang="en-US" sz="19000" dirty="0" smtClean="0">
+                <a:pattFill prst="pct30">
+                  <a:fgClr>
+                    <a:schemeClr val="bg1">
+                      <a:lumMod val="50000"/>
+                    </a:schemeClr>
+                  </a:fgClr>
+                  <a:bgClr>
+                    <a:schemeClr val="tx1">
+                      <a:lumMod val="75000"/>
+                      <a:lumOff val="25000"/>
+                    </a:schemeClr>
+                  </a:bgClr>
+                </a:pattFill>
                 <a:effectLst>
                   <a:outerShdw blurRad="25400" dist="25400" dir="5400000" algn="t" rotWithShape="0">
                     <a:prstClr val="black">
@@ -3470,10 +3586,20 @@
               </a:rPr>
               <a:t>Nyux Whispers</a:t>
             </a:r>
-            <a:endParaRPr lang="en-US" sz="59500" dirty="0">
-              <a:solidFill>
-                <a:srgbClr val="A77051"/>
-              </a:solidFill>
+            <a:endParaRPr lang="en-US" sz="19000" dirty="0" smtClean="0">
+              <a:pattFill prst="pct30">
+                <a:fgClr>
+                  <a:schemeClr val="bg1">
+                    <a:lumMod val="50000"/>
+                  </a:schemeClr>
+                </a:fgClr>
+                <a:bgClr>
+                  <a:schemeClr val="tx1">
+                    <a:lumMod val="75000"/>
+                    <a:lumOff val="25000"/>
+                  </a:schemeClr>
+                </a:bgClr>
+              </a:pattFill>
               <a:effectLst>
                 <a:outerShdw blurRad="25400" dist="25400" dir="5400000" algn="t" rotWithShape="0">
                   <a:prstClr val="black">
@@ -3487,12 +3613,31 @@
           </a:p>
         </p:txBody>
       </p:sp>
+      <p:pic>
+        <p:nvPicPr>
+          <p:cNvPr id="4" name="Picture 3" descr="logo"/>
+          <p:cNvPicPr>
+            <a:picLocks noChangeAspect="1"/>
+          </p:cNvPicPr>
+          <p:nvPr/>
+        </p:nvPicPr>
+        <p:blipFill>
+          <a:blip r:embed="rId1"/>
+          <a:stretch>
+            <a:fillRect/>
+          </a:stretch>
+        </p:blipFill>
+        <p:spPr>
+          <a:xfrm>
+            <a:off x="3035300" y="4742180"/>
+            <a:ext cx="6203315" cy="4916170"/>
+          </a:xfrm>
+          <a:prstGeom prst="rect">
+            <a:avLst/>
+          </a:prstGeom>
+        </p:spPr>
+      </p:pic>
     </p:spTree>
-    <p:extLst>
-      <p:ext uri="{BB962C8B-B14F-4D97-AF65-F5344CB8AC3E}">
-        <p14:creationId xmlns:p14="http://schemas.microsoft.com/office/powerpoint/2010/main" val="4251591053"/>
-      </p:ext>
-    </p:extLst>
   </p:cSld>
   <p:clrMapOvr>
     <a:masterClrMapping/>
@@ -3504,6 +3649,79 @@
       </p:par>
     </p:tnLst>
   </p:timing>
+</p:sld>
+</file>
+
+<file path=ppt/slides/slide4.xml><?xml version="1.0" encoding="utf-8"?>
+<p:sld xmlns:a="http://schemas.openxmlformats.org/drawingml/2006/main" xmlns:r="http://schemas.openxmlformats.org/officeDocument/2006/relationships" xmlns:p="http://schemas.openxmlformats.org/presentationml/2006/main">
+  <p:cSld>
+    <p:spTree>
+      <p:nvGrpSpPr>
+        <p:cNvPr id="1" name=""/>
+        <p:cNvGrpSpPr/>
+        <p:nvPr/>
+      </p:nvGrpSpPr>
+      <p:grpSpPr/>
+      <p:sp>
+        <p:nvSpPr>
+          <p:cNvPr id="6" name="Rectangles 5"/>
+          <p:cNvSpPr/>
+          <p:nvPr/>
+        </p:nvSpPr>
+        <p:spPr>
+          <a:xfrm>
+            <a:off x="3943350" y="3083560"/>
+            <a:ext cx="720000" cy="720000"/>
+          </a:xfrm>
+          <a:prstGeom prst="rect">
+            <a:avLst/>
+          </a:prstGeom>
+          <a:pattFill prst="pct30">
+            <a:fgClr>
+              <a:schemeClr val="bg1">
+                <a:lumMod val="50000"/>
+              </a:schemeClr>
+            </a:fgClr>
+            <a:bgClr>
+              <a:schemeClr val="tx1">
+                <a:lumMod val="75000"/>
+                <a:lumOff val="25000"/>
+              </a:schemeClr>
+            </a:bgClr>
+          </a:pattFill>
+          <a:ln>
+            <a:noFill/>
+          </a:ln>
+        </p:spPr>
+        <p:style>
+          <a:lnRef idx="2">
+            <a:schemeClr val="accent1">
+              <a:shade val="50000"/>
+            </a:schemeClr>
+          </a:lnRef>
+          <a:fillRef idx="1">
+            <a:schemeClr val="accent1"/>
+          </a:fillRef>
+          <a:effectRef idx="0">
+            <a:schemeClr val="accent1"/>
+          </a:effectRef>
+          <a:fontRef idx="minor">
+            <a:schemeClr val="lt1"/>
+          </a:fontRef>
+        </p:style>
+        <p:txBody>
+          <a:bodyPr rtlCol="0" anchor="ctr"/>
+          <a:p>
+            <a:pPr algn="ctr"/>
+            <a:endParaRPr lang="en-US"/>
+          </a:p>
+        </p:txBody>
+      </p:sp>
+    </p:spTree>
+  </p:cSld>
+  <p:clrMapOvr>
+    <a:masterClrMapping/>
+  </p:clrMapOvr>
 </p:sld>
 </file>
 
@@ -3550,7 +3768,7 @@
     </a:clrScheme>
     <a:fontScheme name="Office">
       <a:majorFont>
-        <a:latin typeface="Calibri Light" panose="020F0302020204030204"/>
+        <a:latin typeface="Calibri Light"/>
         <a:ea typeface=""/>
         <a:cs typeface=""/>
         <a:font script="Jpan" typeface="游ゴシック Light"/>
@@ -3585,7 +3803,7 @@
         <a:font script="Geor" typeface="Sylfaen"/>
       </a:majorFont>
       <a:minorFont>
-        <a:latin typeface="Calibri" panose="020F0502020204030204"/>
+        <a:latin typeface="Calibri"/>
         <a:ea typeface=""/>
         <a:cs typeface=""/>
         <a:font script="Jpan" typeface="游ゴシック"/>
@@ -3758,8 +3976,6 @@
       </a:bgFillStyleLst>
     </a:fmtScheme>
   </a:themeElements>
-  <a:objectDefaults/>
-  <a:extraClrSchemeLst/>
   <a:extLst>
     <a:ext uri="{05A4C25C-085E-4340-85A3-A5531E510DB2}">
       <thm15:themeFamily xmlns:thm15="http://schemas.microsoft.com/office/thememl/2012/main" name="Office Theme" id="{62F939B6-93AF-4DB8-9C6B-D6C7DFDC589F}" vid="{4A3C46E8-61CC-4603-A589-7422A47A8E4A}"/>

--- a/public/doc/logo and stuff.pptx
+++ b/public/doc/logo and stuff.pptx
@@ -5,7 +5,7 @@
     <p:sldMasterId id="2147483648" r:id="rId1"/>
   </p:sldMasterIdLst>
   <p:sldIdLst>
-    <p:sldId id="263" r:id="rId3"/>
+    <p:sldId id="267" r:id="rId3"/>
     <p:sldId id="260" r:id="rId4"/>
     <p:sldId id="257" r:id="rId5"/>
     <p:sldId id="266" r:id="rId6"/>
@@ -3717,6 +3717,158 @@
           </a:p>
         </p:txBody>
       </p:sp>
+      <p:sp>
+        <p:nvSpPr>
+          <p:cNvPr id="4" name="Oval Callout 3"/>
+          <p:cNvSpPr/>
+          <p:nvPr/>
+        </p:nvSpPr>
+        <p:spPr>
+          <a:xfrm>
+            <a:off x="9788804" y="6299888"/>
+            <a:ext cx="2160000" cy="1800000"/>
+          </a:xfrm>
+          <a:prstGeom prst="wedgeEllipseCallout">
+            <a:avLst/>
+          </a:prstGeom>
+          <a:pattFill prst="pct30">
+            <a:fgClr>
+              <a:schemeClr val="bg1">
+                <a:lumMod val="50000"/>
+              </a:schemeClr>
+            </a:fgClr>
+            <a:bgClr>
+              <a:schemeClr val="tx1">
+                <a:lumMod val="75000"/>
+                <a:lumOff val="25000"/>
+              </a:schemeClr>
+            </a:bgClr>
+          </a:pattFill>
+          <a:ln>
+            <a:noFill/>
+          </a:ln>
+        </p:spPr>
+        <p:style>
+          <a:lnRef idx="2">
+            <a:schemeClr val="accent1">
+              <a:shade val="50000"/>
+            </a:schemeClr>
+          </a:lnRef>
+          <a:fillRef idx="1">
+            <a:schemeClr val="accent1"/>
+          </a:fillRef>
+          <a:effectRef idx="0">
+            <a:schemeClr val="accent1"/>
+          </a:effectRef>
+          <a:fontRef idx="minor">
+            <a:schemeClr val="lt1"/>
+          </a:fontRef>
+        </p:style>
+        <p:txBody>
+          <a:bodyPr rtlCol="0" anchor="ctr"/>
+          <a:p>
+            <a:pPr algn="ctr"/>
+            <a:endParaRPr lang="en-US"/>
+          </a:p>
+        </p:txBody>
+      </p:sp>
+      <p:sp>
+        <p:nvSpPr>
+          <p:cNvPr id="2" name="TextBox 4"/>
+          <p:cNvSpPr txBox="1"/>
+          <p:nvPr/>
+        </p:nvSpPr>
+        <p:spPr>
+          <a:xfrm>
+            <a:off x="9979025" y="6692265"/>
+            <a:ext cx="1641475" cy="1014730"/>
+          </a:xfrm>
+          <a:prstGeom prst="rect">
+            <a:avLst/>
+          </a:prstGeom>
+          <a:noFill/>
+        </p:spPr>
+        <p:txBody>
+          <a:bodyPr wrap="square" rtlCol="0">
+            <a:spAutoFit/>
+          </a:bodyPr>
+          <a:p>
+            <a:pPr algn="ctr"/>
+            <a:r>
+              <a:rPr lang="en-US" sz="6000" dirty="0" smtClean="0">
+                <a:solidFill>
+                  <a:schemeClr val="bg1"/>
+                </a:solidFill>
+                <a:latin typeface="QisiBest Wishes" panose="02020600040101010101" pitchFamily="18" charset="0"/>
+                <a:ea typeface="QisiBest Wishes" panose="02020600040101010101" pitchFamily="18" charset="0"/>
+              </a:rPr>
+              <a:t>Nyux</a:t>
+            </a:r>
+            <a:endParaRPr lang="en-US" sz="6000" dirty="0" smtClean="0">
+              <a:solidFill>
+                <a:schemeClr val="bg1"/>
+              </a:solidFill>
+              <a:latin typeface="QisiBest Wishes" panose="02020600040101010101" pitchFamily="18" charset="0"/>
+              <a:ea typeface="QisiBest Wishes" panose="02020600040101010101" pitchFamily="18" charset="0"/>
+            </a:endParaRPr>
+          </a:p>
+        </p:txBody>
+      </p:sp>
+      <p:sp>
+        <p:nvSpPr>
+          <p:cNvPr id="7" name="Oval 6"/>
+          <p:cNvSpPr/>
+          <p:nvPr/>
+        </p:nvSpPr>
+        <p:spPr>
+          <a:xfrm>
+            <a:off x="11535673" y="6944665"/>
+            <a:ext cx="216000" cy="216000"/>
+          </a:xfrm>
+          <a:prstGeom prst="ellipse">
+            <a:avLst/>
+          </a:prstGeom>
+          <a:noFill/>
+          <a:ln w="19050">
+            <a:solidFill>
+              <a:schemeClr val="bg1"/>
+            </a:solidFill>
+          </a:ln>
+        </p:spPr>
+        <p:style>
+          <a:lnRef idx="2">
+            <a:schemeClr val="accent1">
+              <a:shade val="50000"/>
+            </a:schemeClr>
+          </a:lnRef>
+          <a:fillRef idx="1">
+            <a:schemeClr val="accent1"/>
+          </a:fillRef>
+          <a:effectRef idx="0">
+            <a:schemeClr val="accent1"/>
+          </a:effectRef>
+          <a:fontRef idx="minor">
+            <a:schemeClr val="lt1"/>
+          </a:fontRef>
+        </p:style>
+        <p:txBody>
+          <a:bodyPr rtlCol="0" anchor="ctr"/>
+          <a:p>
+            <a:pPr algn="ctr"/>
+            <a:r>
+              <a:rPr lang="en-US" sz="1000" b="1" dirty="0" smtClean="0">
+                <a:latin typeface="QisiBest Wishes" panose="02020600040101010101" pitchFamily="18" charset="0"/>
+                <a:ea typeface="QisiBest Wishes" panose="02020600040101010101" pitchFamily="18" charset="0"/>
+              </a:rPr>
+              <a:t>W</a:t>
+            </a:r>
+            <a:endParaRPr lang="en-US" sz="1000" b="1" dirty="0" smtClean="0">
+              <a:latin typeface="QisiBest Wishes" panose="02020600040101010101" pitchFamily="18" charset="0"/>
+              <a:ea typeface="QisiBest Wishes" panose="02020600040101010101" pitchFamily="18" charset="0"/>
+            </a:endParaRPr>
+          </a:p>
+        </p:txBody>
+      </p:sp>
     </p:spTree>
   </p:cSld>
   <p:clrMapOvr>
